--- a/vscodejava/Hello/src/a0403/movie/자바프로젝트.pptx
+++ b/vscodejava/Hello/src/a0403/movie/자바프로젝트.pptx
@@ -110,7 +110,7 @@
   </p:defaultTextStyle>
   <p:extLst>
     <p:ext uri="{EFAFB233-063F-42B5-8137-9DF3F51BA10A}">
-      <p15:sldGuideLst xmlns:p15="http://schemas.microsoft.com/office/powerpoint/2012/main"/>
+      <p15:sldGuideLst xmlns:p15="http://schemas.microsoft.com/office/powerpoint/2012/main" xmlns=""/>
     </p:ext>
   </p:extLst>
 </p:presentation>
@@ -138,7 +138,7 @@
           <p:cNvPr id="2" name="제목 1">
             <a:extLst>
               <a:ext uri="{FF2B5EF4-FFF2-40B4-BE49-F238E27FC236}">
-                <a16:creationId xmlns:a16="http://schemas.microsoft.com/office/drawing/2014/main" id="{6EC60E46-1E9B-4B45-8F0C-96A06CB9BA58}"/>
+                <a16:creationId xmlns:a16="http://schemas.microsoft.com/office/drawing/2014/main" xmlns="" id="{6EC60E46-1E9B-4B45-8F0C-96A06CB9BA58}"/>
               </a:ext>
             </a:extLst>
           </p:cNvPr>
@@ -175,7 +175,7 @@
           <p:cNvPr id="3" name="부제목 2">
             <a:extLst>
               <a:ext uri="{FF2B5EF4-FFF2-40B4-BE49-F238E27FC236}">
-                <a16:creationId xmlns:a16="http://schemas.microsoft.com/office/drawing/2014/main" id="{52FF2B7A-490B-4BA8-BC1E-512EF1250EB2}"/>
+                <a16:creationId xmlns:a16="http://schemas.microsoft.com/office/drawing/2014/main" xmlns="" id="{52FF2B7A-490B-4BA8-BC1E-512EF1250EB2}"/>
               </a:ext>
             </a:extLst>
           </p:cNvPr>
@@ -245,7 +245,7 @@
           <p:cNvPr id="4" name="날짜 개체 틀 3">
             <a:extLst>
               <a:ext uri="{FF2B5EF4-FFF2-40B4-BE49-F238E27FC236}">
-                <a16:creationId xmlns:a16="http://schemas.microsoft.com/office/drawing/2014/main" id="{0903A359-0540-4983-B424-A98375860770}"/>
+                <a16:creationId xmlns:a16="http://schemas.microsoft.com/office/drawing/2014/main" xmlns="" id="{0903A359-0540-4983-B424-A98375860770}"/>
               </a:ext>
             </a:extLst>
           </p:cNvPr>
@@ -263,7 +263,7 @@
           <a:p>
             <a:fld id="{1B1D02C3-EB5A-43ED-B5B8-9288D9E43D0B}" type="datetimeFigureOut">
               <a:rPr lang="ko-KR" altLang="en-US" smtClean="0"/>
-              <a:t>2024-04-05</a:t>
+              <a:t>2025-04-06</a:t>
             </a:fld>
             <a:endParaRPr lang="ko-KR" altLang="en-US"/>
           </a:p>
@@ -274,7 +274,7 @@
           <p:cNvPr id="5" name="바닥글 개체 틀 4">
             <a:extLst>
               <a:ext uri="{FF2B5EF4-FFF2-40B4-BE49-F238E27FC236}">
-                <a16:creationId xmlns:a16="http://schemas.microsoft.com/office/drawing/2014/main" id="{0EA02E7C-81DE-426C-B017-CE0CEF0ED203}"/>
+                <a16:creationId xmlns:a16="http://schemas.microsoft.com/office/drawing/2014/main" xmlns="" id="{0EA02E7C-81DE-426C-B017-CE0CEF0ED203}"/>
               </a:ext>
             </a:extLst>
           </p:cNvPr>
@@ -299,7 +299,7 @@
           <p:cNvPr id="6" name="슬라이드 번호 개체 틀 5">
             <a:extLst>
               <a:ext uri="{FF2B5EF4-FFF2-40B4-BE49-F238E27FC236}">
-                <a16:creationId xmlns:a16="http://schemas.microsoft.com/office/drawing/2014/main" id="{AA134F97-3030-4743-8420-CFAE4C24592D}"/>
+                <a16:creationId xmlns:a16="http://schemas.microsoft.com/office/drawing/2014/main" xmlns="" id="{AA134F97-3030-4743-8420-CFAE4C24592D}"/>
               </a:ext>
             </a:extLst>
           </p:cNvPr>
@@ -358,7 +358,7 @@
           <p:cNvPr id="2" name="제목 1">
             <a:extLst>
               <a:ext uri="{FF2B5EF4-FFF2-40B4-BE49-F238E27FC236}">
-                <a16:creationId xmlns:a16="http://schemas.microsoft.com/office/drawing/2014/main" id="{2A3C4B8A-4280-4C93-B3D3-E984F22F24FF}"/>
+                <a16:creationId xmlns:a16="http://schemas.microsoft.com/office/drawing/2014/main" xmlns="" id="{2A3C4B8A-4280-4C93-B3D3-E984F22F24FF}"/>
               </a:ext>
             </a:extLst>
           </p:cNvPr>
@@ -386,7 +386,7 @@
           <p:cNvPr id="3" name="세로 텍스트 개체 틀 2">
             <a:extLst>
               <a:ext uri="{FF2B5EF4-FFF2-40B4-BE49-F238E27FC236}">
-                <a16:creationId xmlns:a16="http://schemas.microsoft.com/office/drawing/2014/main" id="{097317F9-8298-4292-BD92-80366DDD3D6D}"/>
+                <a16:creationId xmlns:a16="http://schemas.microsoft.com/office/drawing/2014/main" xmlns="" id="{097317F9-8298-4292-BD92-80366DDD3D6D}"/>
               </a:ext>
             </a:extLst>
           </p:cNvPr>
@@ -443,7 +443,7 @@
           <p:cNvPr id="4" name="날짜 개체 틀 3">
             <a:extLst>
               <a:ext uri="{FF2B5EF4-FFF2-40B4-BE49-F238E27FC236}">
-                <a16:creationId xmlns:a16="http://schemas.microsoft.com/office/drawing/2014/main" id="{1B850AB2-2B2E-4EF5-9657-FAD5E5B43D51}"/>
+                <a16:creationId xmlns:a16="http://schemas.microsoft.com/office/drawing/2014/main" xmlns="" id="{1B850AB2-2B2E-4EF5-9657-FAD5E5B43D51}"/>
               </a:ext>
             </a:extLst>
           </p:cNvPr>
@@ -461,7 +461,7 @@
           <a:p>
             <a:fld id="{1B1D02C3-EB5A-43ED-B5B8-9288D9E43D0B}" type="datetimeFigureOut">
               <a:rPr lang="ko-KR" altLang="en-US" smtClean="0"/>
-              <a:t>2024-04-05</a:t>
+              <a:t>2025-04-06</a:t>
             </a:fld>
             <a:endParaRPr lang="ko-KR" altLang="en-US"/>
           </a:p>
@@ -472,7 +472,7 @@
           <p:cNvPr id="5" name="바닥글 개체 틀 4">
             <a:extLst>
               <a:ext uri="{FF2B5EF4-FFF2-40B4-BE49-F238E27FC236}">
-                <a16:creationId xmlns:a16="http://schemas.microsoft.com/office/drawing/2014/main" id="{D10197F3-8B6C-4BC7-952C-EED66BCBD4A5}"/>
+                <a16:creationId xmlns:a16="http://schemas.microsoft.com/office/drawing/2014/main" xmlns="" id="{D10197F3-8B6C-4BC7-952C-EED66BCBD4A5}"/>
               </a:ext>
             </a:extLst>
           </p:cNvPr>
@@ -497,7 +497,7 @@
           <p:cNvPr id="6" name="슬라이드 번호 개체 틀 5">
             <a:extLst>
               <a:ext uri="{FF2B5EF4-FFF2-40B4-BE49-F238E27FC236}">
-                <a16:creationId xmlns:a16="http://schemas.microsoft.com/office/drawing/2014/main" id="{173CCB3A-2EB0-4569-A9F1-5B8BC1AFB81D}"/>
+                <a16:creationId xmlns:a16="http://schemas.microsoft.com/office/drawing/2014/main" xmlns="" id="{173CCB3A-2EB0-4569-A9F1-5B8BC1AFB81D}"/>
               </a:ext>
             </a:extLst>
           </p:cNvPr>
@@ -556,7 +556,7 @@
           <p:cNvPr id="2" name="세로 제목 1">
             <a:extLst>
               <a:ext uri="{FF2B5EF4-FFF2-40B4-BE49-F238E27FC236}">
-                <a16:creationId xmlns:a16="http://schemas.microsoft.com/office/drawing/2014/main" id="{44987F89-D0C2-42C4-9E17-C0C48ADFDAC6}"/>
+                <a16:creationId xmlns:a16="http://schemas.microsoft.com/office/drawing/2014/main" xmlns="" id="{44987F89-D0C2-42C4-9E17-C0C48ADFDAC6}"/>
               </a:ext>
             </a:extLst>
           </p:cNvPr>
@@ -589,7 +589,7 @@
           <p:cNvPr id="3" name="세로 텍스트 개체 틀 2">
             <a:extLst>
               <a:ext uri="{FF2B5EF4-FFF2-40B4-BE49-F238E27FC236}">
-                <a16:creationId xmlns:a16="http://schemas.microsoft.com/office/drawing/2014/main" id="{988698BD-FBC6-4888-9F2E-65225CB23C2D}"/>
+                <a16:creationId xmlns:a16="http://schemas.microsoft.com/office/drawing/2014/main" xmlns="" id="{988698BD-FBC6-4888-9F2E-65225CB23C2D}"/>
               </a:ext>
             </a:extLst>
           </p:cNvPr>
@@ -651,7 +651,7 @@
           <p:cNvPr id="4" name="날짜 개체 틀 3">
             <a:extLst>
               <a:ext uri="{FF2B5EF4-FFF2-40B4-BE49-F238E27FC236}">
-                <a16:creationId xmlns:a16="http://schemas.microsoft.com/office/drawing/2014/main" id="{1FFAF85A-EA2E-42BF-A92D-0E4B4C32AB10}"/>
+                <a16:creationId xmlns:a16="http://schemas.microsoft.com/office/drawing/2014/main" xmlns="" id="{1FFAF85A-EA2E-42BF-A92D-0E4B4C32AB10}"/>
               </a:ext>
             </a:extLst>
           </p:cNvPr>
@@ -669,7 +669,7 @@
           <a:p>
             <a:fld id="{1B1D02C3-EB5A-43ED-B5B8-9288D9E43D0B}" type="datetimeFigureOut">
               <a:rPr lang="ko-KR" altLang="en-US" smtClean="0"/>
-              <a:t>2024-04-05</a:t>
+              <a:t>2025-04-06</a:t>
             </a:fld>
             <a:endParaRPr lang="ko-KR" altLang="en-US"/>
           </a:p>
@@ -680,7 +680,7 @@
           <p:cNvPr id="5" name="바닥글 개체 틀 4">
             <a:extLst>
               <a:ext uri="{FF2B5EF4-FFF2-40B4-BE49-F238E27FC236}">
-                <a16:creationId xmlns:a16="http://schemas.microsoft.com/office/drawing/2014/main" id="{3D9AD483-CCB9-4F10-B492-BC93B0561349}"/>
+                <a16:creationId xmlns:a16="http://schemas.microsoft.com/office/drawing/2014/main" xmlns="" id="{3D9AD483-CCB9-4F10-B492-BC93B0561349}"/>
               </a:ext>
             </a:extLst>
           </p:cNvPr>
@@ -705,7 +705,7 @@
           <p:cNvPr id="6" name="슬라이드 번호 개체 틀 5">
             <a:extLst>
               <a:ext uri="{FF2B5EF4-FFF2-40B4-BE49-F238E27FC236}">
-                <a16:creationId xmlns:a16="http://schemas.microsoft.com/office/drawing/2014/main" id="{85DE896D-4E2A-44DE-BCB7-7E7E335CEBBB}"/>
+                <a16:creationId xmlns:a16="http://schemas.microsoft.com/office/drawing/2014/main" xmlns="" id="{85DE896D-4E2A-44DE-BCB7-7E7E335CEBBB}"/>
               </a:ext>
             </a:extLst>
           </p:cNvPr>
@@ -764,7 +764,7 @@
           <p:cNvPr id="2" name="제목 1">
             <a:extLst>
               <a:ext uri="{FF2B5EF4-FFF2-40B4-BE49-F238E27FC236}">
-                <a16:creationId xmlns:a16="http://schemas.microsoft.com/office/drawing/2014/main" id="{95E4BE73-11E5-4AB3-BDEE-D0CE22EF4CCD}"/>
+                <a16:creationId xmlns:a16="http://schemas.microsoft.com/office/drawing/2014/main" xmlns="" id="{95E4BE73-11E5-4AB3-BDEE-D0CE22EF4CCD}"/>
               </a:ext>
             </a:extLst>
           </p:cNvPr>
@@ -792,7 +792,7 @@
           <p:cNvPr id="3" name="내용 개체 틀 2">
             <a:extLst>
               <a:ext uri="{FF2B5EF4-FFF2-40B4-BE49-F238E27FC236}">
-                <a16:creationId xmlns:a16="http://schemas.microsoft.com/office/drawing/2014/main" id="{2FDFAEF4-B159-469B-9CA6-3621123B57E0}"/>
+                <a16:creationId xmlns:a16="http://schemas.microsoft.com/office/drawing/2014/main" xmlns="" id="{2FDFAEF4-B159-469B-9CA6-3621123B57E0}"/>
               </a:ext>
             </a:extLst>
           </p:cNvPr>
@@ -849,7 +849,7 @@
           <p:cNvPr id="4" name="날짜 개체 틀 3">
             <a:extLst>
               <a:ext uri="{FF2B5EF4-FFF2-40B4-BE49-F238E27FC236}">
-                <a16:creationId xmlns:a16="http://schemas.microsoft.com/office/drawing/2014/main" id="{2030647E-9010-4319-AB89-79A9918F0590}"/>
+                <a16:creationId xmlns:a16="http://schemas.microsoft.com/office/drawing/2014/main" xmlns="" id="{2030647E-9010-4319-AB89-79A9918F0590}"/>
               </a:ext>
             </a:extLst>
           </p:cNvPr>
@@ -867,7 +867,7 @@
           <a:p>
             <a:fld id="{1B1D02C3-EB5A-43ED-B5B8-9288D9E43D0B}" type="datetimeFigureOut">
               <a:rPr lang="ko-KR" altLang="en-US" smtClean="0"/>
-              <a:t>2024-04-05</a:t>
+              <a:t>2025-04-06</a:t>
             </a:fld>
             <a:endParaRPr lang="ko-KR" altLang="en-US"/>
           </a:p>
@@ -878,7 +878,7 @@
           <p:cNvPr id="5" name="바닥글 개체 틀 4">
             <a:extLst>
               <a:ext uri="{FF2B5EF4-FFF2-40B4-BE49-F238E27FC236}">
-                <a16:creationId xmlns:a16="http://schemas.microsoft.com/office/drawing/2014/main" id="{D2E4B6DF-5225-4325-A709-83466383C935}"/>
+                <a16:creationId xmlns:a16="http://schemas.microsoft.com/office/drawing/2014/main" xmlns="" id="{D2E4B6DF-5225-4325-A709-83466383C935}"/>
               </a:ext>
             </a:extLst>
           </p:cNvPr>
@@ -903,7 +903,7 @@
           <p:cNvPr id="6" name="슬라이드 번호 개체 틀 5">
             <a:extLst>
               <a:ext uri="{FF2B5EF4-FFF2-40B4-BE49-F238E27FC236}">
-                <a16:creationId xmlns:a16="http://schemas.microsoft.com/office/drawing/2014/main" id="{2C77554C-78A4-4955-87AC-794C56FB0D64}"/>
+                <a16:creationId xmlns:a16="http://schemas.microsoft.com/office/drawing/2014/main" xmlns="" id="{2C77554C-78A4-4955-87AC-794C56FB0D64}"/>
               </a:ext>
             </a:extLst>
           </p:cNvPr>
@@ -962,7 +962,7 @@
           <p:cNvPr id="2" name="제목 1">
             <a:extLst>
               <a:ext uri="{FF2B5EF4-FFF2-40B4-BE49-F238E27FC236}">
-                <a16:creationId xmlns:a16="http://schemas.microsoft.com/office/drawing/2014/main" id="{7F6DA32A-EF51-4619-84A1-671FB15A97C5}"/>
+                <a16:creationId xmlns:a16="http://schemas.microsoft.com/office/drawing/2014/main" xmlns="" id="{7F6DA32A-EF51-4619-84A1-671FB15A97C5}"/>
               </a:ext>
             </a:extLst>
           </p:cNvPr>
@@ -999,7 +999,7 @@
           <p:cNvPr id="3" name="텍스트 개체 틀 2">
             <a:extLst>
               <a:ext uri="{FF2B5EF4-FFF2-40B4-BE49-F238E27FC236}">
-                <a16:creationId xmlns:a16="http://schemas.microsoft.com/office/drawing/2014/main" id="{979609D7-2BC0-4753-9CF5-BC62C671DA50}"/>
+                <a16:creationId xmlns:a16="http://schemas.microsoft.com/office/drawing/2014/main" xmlns="" id="{979609D7-2BC0-4753-9CF5-BC62C671DA50}"/>
               </a:ext>
             </a:extLst>
           </p:cNvPr>
@@ -1124,7 +1124,7 @@
           <p:cNvPr id="4" name="날짜 개체 틀 3">
             <a:extLst>
               <a:ext uri="{FF2B5EF4-FFF2-40B4-BE49-F238E27FC236}">
-                <a16:creationId xmlns:a16="http://schemas.microsoft.com/office/drawing/2014/main" id="{6FE683CF-EA96-45F0-A5A8-C9873469B780}"/>
+                <a16:creationId xmlns:a16="http://schemas.microsoft.com/office/drawing/2014/main" xmlns="" id="{6FE683CF-EA96-45F0-A5A8-C9873469B780}"/>
               </a:ext>
             </a:extLst>
           </p:cNvPr>
@@ -1142,7 +1142,7 @@
           <a:p>
             <a:fld id="{1B1D02C3-EB5A-43ED-B5B8-9288D9E43D0B}" type="datetimeFigureOut">
               <a:rPr lang="ko-KR" altLang="en-US" smtClean="0"/>
-              <a:t>2024-04-05</a:t>
+              <a:t>2025-04-06</a:t>
             </a:fld>
             <a:endParaRPr lang="ko-KR" altLang="en-US"/>
           </a:p>
@@ -1153,7 +1153,7 @@
           <p:cNvPr id="5" name="바닥글 개체 틀 4">
             <a:extLst>
               <a:ext uri="{FF2B5EF4-FFF2-40B4-BE49-F238E27FC236}">
-                <a16:creationId xmlns:a16="http://schemas.microsoft.com/office/drawing/2014/main" id="{56693A66-BA9C-4950-A41B-5C2844003B41}"/>
+                <a16:creationId xmlns:a16="http://schemas.microsoft.com/office/drawing/2014/main" xmlns="" id="{56693A66-BA9C-4950-A41B-5C2844003B41}"/>
               </a:ext>
             </a:extLst>
           </p:cNvPr>
@@ -1178,7 +1178,7 @@
           <p:cNvPr id="6" name="슬라이드 번호 개체 틀 5">
             <a:extLst>
               <a:ext uri="{FF2B5EF4-FFF2-40B4-BE49-F238E27FC236}">
-                <a16:creationId xmlns:a16="http://schemas.microsoft.com/office/drawing/2014/main" id="{44C7B070-C3CD-4A36-94DA-39EB6E999ACA}"/>
+                <a16:creationId xmlns:a16="http://schemas.microsoft.com/office/drawing/2014/main" xmlns="" id="{44C7B070-C3CD-4A36-94DA-39EB6E999ACA}"/>
               </a:ext>
             </a:extLst>
           </p:cNvPr>
@@ -1237,7 +1237,7 @@
           <p:cNvPr id="2" name="제목 1">
             <a:extLst>
               <a:ext uri="{FF2B5EF4-FFF2-40B4-BE49-F238E27FC236}">
-                <a16:creationId xmlns:a16="http://schemas.microsoft.com/office/drawing/2014/main" id="{F025ED5F-99D6-4306-8C86-09F30526508C}"/>
+                <a16:creationId xmlns:a16="http://schemas.microsoft.com/office/drawing/2014/main" xmlns="" id="{F025ED5F-99D6-4306-8C86-09F30526508C}"/>
               </a:ext>
             </a:extLst>
           </p:cNvPr>
@@ -1265,7 +1265,7 @@
           <p:cNvPr id="3" name="내용 개체 틀 2">
             <a:extLst>
               <a:ext uri="{FF2B5EF4-FFF2-40B4-BE49-F238E27FC236}">
-                <a16:creationId xmlns:a16="http://schemas.microsoft.com/office/drawing/2014/main" id="{B6E75830-CE14-4960-A0DD-D97179800A9A}"/>
+                <a16:creationId xmlns:a16="http://schemas.microsoft.com/office/drawing/2014/main" xmlns="" id="{B6E75830-CE14-4960-A0DD-D97179800A9A}"/>
               </a:ext>
             </a:extLst>
           </p:cNvPr>
@@ -1327,7 +1327,7 @@
           <p:cNvPr id="4" name="내용 개체 틀 3">
             <a:extLst>
               <a:ext uri="{FF2B5EF4-FFF2-40B4-BE49-F238E27FC236}">
-                <a16:creationId xmlns:a16="http://schemas.microsoft.com/office/drawing/2014/main" id="{667588A1-189A-4C3C-8910-551AA5FF2AE8}"/>
+                <a16:creationId xmlns:a16="http://schemas.microsoft.com/office/drawing/2014/main" xmlns="" id="{667588A1-189A-4C3C-8910-551AA5FF2AE8}"/>
               </a:ext>
             </a:extLst>
           </p:cNvPr>
@@ -1389,7 +1389,7 @@
           <p:cNvPr id="5" name="날짜 개체 틀 4">
             <a:extLst>
               <a:ext uri="{FF2B5EF4-FFF2-40B4-BE49-F238E27FC236}">
-                <a16:creationId xmlns:a16="http://schemas.microsoft.com/office/drawing/2014/main" id="{DAD327CB-3B11-43A2-A79F-8ED087D19BE1}"/>
+                <a16:creationId xmlns:a16="http://schemas.microsoft.com/office/drawing/2014/main" xmlns="" id="{DAD327CB-3B11-43A2-A79F-8ED087D19BE1}"/>
               </a:ext>
             </a:extLst>
           </p:cNvPr>
@@ -1407,7 +1407,7 @@
           <a:p>
             <a:fld id="{1B1D02C3-EB5A-43ED-B5B8-9288D9E43D0B}" type="datetimeFigureOut">
               <a:rPr lang="ko-KR" altLang="en-US" smtClean="0"/>
-              <a:t>2024-04-05</a:t>
+              <a:t>2025-04-06</a:t>
             </a:fld>
             <a:endParaRPr lang="ko-KR" altLang="en-US"/>
           </a:p>
@@ -1418,7 +1418,7 @@
           <p:cNvPr id="6" name="바닥글 개체 틀 5">
             <a:extLst>
               <a:ext uri="{FF2B5EF4-FFF2-40B4-BE49-F238E27FC236}">
-                <a16:creationId xmlns:a16="http://schemas.microsoft.com/office/drawing/2014/main" id="{8E47620D-4D1D-4449-8333-E4A433609F38}"/>
+                <a16:creationId xmlns:a16="http://schemas.microsoft.com/office/drawing/2014/main" xmlns="" id="{8E47620D-4D1D-4449-8333-E4A433609F38}"/>
               </a:ext>
             </a:extLst>
           </p:cNvPr>
@@ -1443,7 +1443,7 @@
           <p:cNvPr id="7" name="슬라이드 번호 개체 틀 6">
             <a:extLst>
               <a:ext uri="{FF2B5EF4-FFF2-40B4-BE49-F238E27FC236}">
-                <a16:creationId xmlns:a16="http://schemas.microsoft.com/office/drawing/2014/main" id="{1875223E-CDD7-429C-8A24-3D44187B6F51}"/>
+                <a16:creationId xmlns:a16="http://schemas.microsoft.com/office/drawing/2014/main" xmlns="" id="{1875223E-CDD7-429C-8A24-3D44187B6F51}"/>
               </a:ext>
             </a:extLst>
           </p:cNvPr>
@@ -1502,7 +1502,7 @@
           <p:cNvPr id="2" name="제목 1">
             <a:extLst>
               <a:ext uri="{FF2B5EF4-FFF2-40B4-BE49-F238E27FC236}">
-                <a16:creationId xmlns:a16="http://schemas.microsoft.com/office/drawing/2014/main" id="{32708FEE-B432-4BE6-BD01-25013FF87BEE}"/>
+                <a16:creationId xmlns:a16="http://schemas.microsoft.com/office/drawing/2014/main" xmlns="" id="{32708FEE-B432-4BE6-BD01-25013FF87BEE}"/>
               </a:ext>
             </a:extLst>
           </p:cNvPr>
@@ -1535,7 +1535,7 @@
           <p:cNvPr id="3" name="텍스트 개체 틀 2">
             <a:extLst>
               <a:ext uri="{FF2B5EF4-FFF2-40B4-BE49-F238E27FC236}">
-                <a16:creationId xmlns:a16="http://schemas.microsoft.com/office/drawing/2014/main" id="{CC569624-79D7-4B93-B956-26CA9D619288}"/>
+                <a16:creationId xmlns:a16="http://schemas.microsoft.com/office/drawing/2014/main" xmlns="" id="{CC569624-79D7-4B93-B956-26CA9D619288}"/>
               </a:ext>
             </a:extLst>
           </p:cNvPr>
@@ -1606,7 +1606,7 @@
           <p:cNvPr id="4" name="내용 개체 틀 3">
             <a:extLst>
               <a:ext uri="{FF2B5EF4-FFF2-40B4-BE49-F238E27FC236}">
-                <a16:creationId xmlns:a16="http://schemas.microsoft.com/office/drawing/2014/main" id="{0CF6685F-0AD8-439A-BB7E-EB399BC3FE94}"/>
+                <a16:creationId xmlns:a16="http://schemas.microsoft.com/office/drawing/2014/main" xmlns="" id="{0CF6685F-0AD8-439A-BB7E-EB399BC3FE94}"/>
               </a:ext>
             </a:extLst>
           </p:cNvPr>
@@ -1668,7 +1668,7 @@
           <p:cNvPr id="5" name="텍스트 개체 틀 4">
             <a:extLst>
               <a:ext uri="{FF2B5EF4-FFF2-40B4-BE49-F238E27FC236}">
-                <a16:creationId xmlns:a16="http://schemas.microsoft.com/office/drawing/2014/main" id="{7E86231B-8803-4634-8187-107F3450275F}"/>
+                <a16:creationId xmlns:a16="http://schemas.microsoft.com/office/drawing/2014/main" xmlns="" id="{7E86231B-8803-4634-8187-107F3450275F}"/>
               </a:ext>
             </a:extLst>
           </p:cNvPr>
@@ -1739,7 +1739,7 @@
           <p:cNvPr id="6" name="내용 개체 틀 5">
             <a:extLst>
               <a:ext uri="{FF2B5EF4-FFF2-40B4-BE49-F238E27FC236}">
-                <a16:creationId xmlns:a16="http://schemas.microsoft.com/office/drawing/2014/main" id="{4E1470BB-DF29-4E4B-B988-94090050A4BB}"/>
+                <a16:creationId xmlns:a16="http://schemas.microsoft.com/office/drawing/2014/main" xmlns="" id="{4E1470BB-DF29-4E4B-B988-94090050A4BB}"/>
               </a:ext>
             </a:extLst>
           </p:cNvPr>
@@ -1801,7 +1801,7 @@
           <p:cNvPr id="7" name="날짜 개체 틀 6">
             <a:extLst>
               <a:ext uri="{FF2B5EF4-FFF2-40B4-BE49-F238E27FC236}">
-                <a16:creationId xmlns:a16="http://schemas.microsoft.com/office/drawing/2014/main" id="{BA130BA7-2069-4027-994C-CE8305844581}"/>
+                <a16:creationId xmlns:a16="http://schemas.microsoft.com/office/drawing/2014/main" xmlns="" id="{BA130BA7-2069-4027-994C-CE8305844581}"/>
               </a:ext>
             </a:extLst>
           </p:cNvPr>
@@ -1819,7 +1819,7 @@
           <a:p>
             <a:fld id="{1B1D02C3-EB5A-43ED-B5B8-9288D9E43D0B}" type="datetimeFigureOut">
               <a:rPr lang="ko-KR" altLang="en-US" smtClean="0"/>
-              <a:t>2024-04-05</a:t>
+              <a:t>2025-04-06</a:t>
             </a:fld>
             <a:endParaRPr lang="ko-KR" altLang="en-US"/>
           </a:p>
@@ -1830,7 +1830,7 @@
           <p:cNvPr id="8" name="바닥글 개체 틀 7">
             <a:extLst>
               <a:ext uri="{FF2B5EF4-FFF2-40B4-BE49-F238E27FC236}">
-                <a16:creationId xmlns:a16="http://schemas.microsoft.com/office/drawing/2014/main" id="{FC00E5BF-AFC2-4F62-B945-DCE8E67E5E07}"/>
+                <a16:creationId xmlns:a16="http://schemas.microsoft.com/office/drawing/2014/main" xmlns="" id="{FC00E5BF-AFC2-4F62-B945-DCE8E67E5E07}"/>
               </a:ext>
             </a:extLst>
           </p:cNvPr>
@@ -1855,7 +1855,7 @@
           <p:cNvPr id="9" name="슬라이드 번호 개체 틀 8">
             <a:extLst>
               <a:ext uri="{FF2B5EF4-FFF2-40B4-BE49-F238E27FC236}">
-                <a16:creationId xmlns:a16="http://schemas.microsoft.com/office/drawing/2014/main" id="{A9FA92A6-43C1-46B9-B9A8-94443ABE73B5}"/>
+                <a16:creationId xmlns:a16="http://schemas.microsoft.com/office/drawing/2014/main" xmlns="" id="{A9FA92A6-43C1-46B9-B9A8-94443ABE73B5}"/>
               </a:ext>
             </a:extLst>
           </p:cNvPr>
@@ -1914,7 +1914,7 @@
           <p:cNvPr id="2" name="제목 1">
             <a:extLst>
               <a:ext uri="{FF2B5EF4-FFF2-40B4-BE49-F238E27FC236}">
-                <a16:creationId xmlns:a16="http://schemas.microsoft.com/office/drawing/2014/main" id="{5DEDE81F-1FC1-4656-AA51-9DB5EED38D13}"/>
+                <a16:creationId xmlns:a16="http://schemas.microsoft.com/office/drawing/2014/main" xmlns="" id="{5DEDE81F-1FC1-4656-AA51-9DB5EED38D13}"/>
               </a:ext>
             </a:extLst>
           </p:cNvPr>
@@ -1942,7 +1942,7 @@
           <p:cNvPr id="3" name="날짜 개체 틀 2">
             <a:extLst>
               <a:ext uri="{FF2B5EF4-FFF2-40B4-BE49-F238E27FC236}">
-                <a16:creationId xmlns:a16="http://schemas.microsoft.com/office/drawing/2014/main" id="{C303D352-F5E1-47A3-8A02-EE3CCD30FCA4}"/>
+                <a16:creationId xmlns:a16="http://schemas.microsoft.com/office/drawing/2014/main" xmlns="" id="{C303D352-F5E1-47A3-8A02-EE3CCD30FCA4}"/>
               </a:ext>
             </a:extLst>
           </p:cNvPr>
@@ -1960,7 +1960,7 @@
           <a:p>
             <a:fld id="{1B1D02C3-EB5A-43ED-B5B8-9288D9E43D0B}" type="datetimeFigureOut">
               <a:rPr lang="ko-KR" altLang="en-US" smtClean="0"/>
-              <a:t>2024-04-05</a:t>
+              <a:t>2025-04-06</a:t>
             </a:fld>
             <a:endParaRPr lang="ko-KR" altLang="en-US"/>
           </a:p>
@@ -1971,7 +1971,7 @@
           <p:cNvPr id="4" name="바닥글 개체 틀 3">
             <a:extLst>
               <a:ext uri="{FF2B5EF4-FFF2-40B4-BE49-F238E27FC236}">
-                <a16:creationId xmlns:a16="http://schemas.microsoft.com/office/drawing/2014/main" id="{08B83FF7-B7FA-49EF-B876-329C02BAD0F9}"/>
+                <a16:creationId xmlns:a16="http://schemas.microsoft.com/office/drawing/2014/main" xmlns="" id="{08B83FF7-B7FA-49EF-B876-329C02BAD0F9}"/>
               </a:ext>
             </a:extLst>
           </p:cNvPr>
@@ -1996,7 +1996,7 @@
           <p:cNvPr id="5" name="슬라이드 번호 개체 틀 4">
             <a:extLst>
               <a:ext uri="{FF2B5EF4-FFF2-40B4-BE49-F238E27FC236}">
-                <a16:creationId xmlns:a16="http://schemas.microsoft.com/office/drawing/2014/main" id="{691300FE-D11A-4BB0-96E3-B327836D218C}"/>
+                <a16:creationId xmlns:a16="http://schemas.microsoft.com/office/drawing/2014/main" xmlns="" id="{691300FE-D11A-4BB0-96E3-B327836D218C}"/>
               </a:ext>
             </a:extLst>
           </p:cNvPr>
@@ -2055,7 +2055,7 @@
           <p:cNvPr id="2" name="날짜 개체 틀 1">
             <a:extLst>
               <a:ext uri="{FF2B5EF4-FFF2-40B4-BE49-F238E27FC236}">
-                <a16:creationId xmlns:a16="http://schemas.microsoft.com/office/drawing/2014/main" id="{F7CBC2D7-DCBC-4880-A4B6-AAC035DFBC6E}"/>
+                <a16:creationId xmlns:a16="http://schemas.microsoft.com/office/drawing/2014/main" xmlns="" id="{F7CBC2D7-DCBC-4880-A4B6-AAC035DFBC6E}"/>
               </a:ext>
             </a:extLst>
           </p:cNvPr>
@@ -2073,7 +2073,7 @@
           <a:p>
             <a:fld id="{1B1D02C3-EB5A-43ED-B5B8-9288D9E43D0B}" type="datetimeFigureOut">
               <a:rPr lang="ko-KR" altLang="en-US" smtClean="0"/>
-              <a:t>2024-04-05</a:t>
+              <a:t>2025-04-06</a:t>
             </a:fld>
             <a:endParaRPr lang="ko-KR" altLang="en-US"/>
           </a:p>
@@ -2084,7 +2084,7 @@
           <p:cNvPr id="3" name="바닥글 개체 틀 2">
             <a:extLst>
               <a:ext uri="{FF2B5EF4-FFF2-40B4-BE49-F238E27FC236}">
-                <a16:creationId xmlns:a16="http://schemas.microsoft.com/office/drawing/2014/main" id="{FC4A4D1A-329B-485F-B7AC-D25048B3F9BC}"/>
+                <a16:creationId xmlns:a16="http://schemas.microsoft.com/office/drawing/2014/main" xmlns="" id="{FC4A4D1A-329B-485F-B7AC-D25048B3F9BC}"/>
               </a:ext>
             </a:extLst>
           </p:cNvPr>
@@ -2109,7 +2109,7 @@
           <p:cNvPr id="4" name="슬라이드 번호 개체 틀 3">
             <a:extLst>
               <a:ext uri="{FF2B5EF4-FFF2-40B4-BE49-F238E27FC236}">
-                <a16:creationId xmlns:a16="http://schemas.microsoft.com/office/drawing/2014/main" id="{22075871-B70F-4348-A936-BD2C603E378B}"/>
+                <a16:creationId xmlns:a16="http://schemas.microsoft.com/office/drawing/2014/main" xmlns="" id="{22075871-B70F-4348-A936-BD2C603E378B}"/>
               </a:ext>
             </a:extLst>
           </p:cNvPr>
@@ -2168,7 +2168,7 @@
           <p:cNvPr id="2" name="제목 1">
             <a:extLst>
               <a:ext uri="{FF2B5EF4-FFF2-40B4-BE49-F238E27FC236}">
-                <a16:creationId xmlns:a16="http://schemas.microsoft.com/office/drawing/2014/main" id="{E3C10B91-8275-46A5-A43C-06086FA145C1}"/>
+                <a16:creationId xmlns:a16="http://schemas.microsoft.com/office/drawing/2014/main" xmlns="" id="{E3C10B91-8275-46A5-A43C-06086FA145C1}"/>
               </a:ext>
             </a:extLst>
           </p:cNvPr>
@@ -2205,7 +2205,7 @@
           <p:cNvPr id="3" name="내용 개체 틀 2">
             <a:extLst>
               <a:ext uri="{FF2B5EF4-FFF2-40B4-BE49-F238E27FC236}">
-                <a16:creationId xmlns:a16="http://schemas.microsoft.com/office/drawing/2014/main" id="{8FA1028C-1BEB-4FAA-98FF-5A88D0F23416}"/>
+                <a16:creationId xmlns:a16="http://schemas.microsoft.com/office/drawing/2014/main" xmlns="" id="{8FA1028C-1BEB-4FAA-98FF-5A88D0F23416}"/>
               </a:ext>
             </a:extLst>
           </p:cNvPr>
@@ -2295,7 +2295,7 @@
           <p:cNvPr id="4" name="텍스트 개체 틀 3">
             <a:extLst>
               <a:ext uri="{FF2B5EF4-FFF2-40B4-BE49-F238E27FC236}">
-                <a16:creationId xmlns:a16="http://schemas.microsoft.com/office/drawing/2014/main" id="{1A09C394-A32D-4570-8724-5A8514A1CB1E}"/>
+                <a16:creationId xmlns:a16="http://schemas.microsoft.com/office/drawing/2014/main" xmlns="" id="{1A09C394-A32D-4570-8724-5A8514A1CB1E}"/>
               </a:ext>
             </a:extLst>
           </p:cNvPr>
@@ -2366,7 +2366,7 @@
           <p:cNvPr id="5" name="날짜 개체 틀 4">
             <a:extLst>
               <a:ext uri="{FF2B5EF4-FFF2-40B4-BE49-F238E27FC236}">
-                <a16:creationId xmlns:a16="http://schemas.microsoft.com/office/drawing/2014/main" id="{6E3539DD-228E-4DD0-949B-352571FD5A6A}"/>
+                <a16:creationId xmlns:a16="http://schemas.microsoft.com/office/drawing/2014/main" xmlns="" id="{6E3539DD-228E-4DD0-949B-352571FD5A6A}"/>
               </a:ext>
             </a:extLst>
           </p:cNvPr>
@@ -2384,7 +2384,7 @@
           <a:p>
             <a:fld id="{1B1D02C3-EB5A-43ED-B5B8-9288D9E43D0B}" type="datetimeFigureOut">
               <a:rPr lang="ko-KR" altLang="en-US" smtClean="0"/>
-              <a:t>2024-04-05</a:t>
+              <a:t>2025-04-06</a:t>
             </a:fld>
             <a:endParaRPr lang="ko-KR" altLang="en-US"/>
           </a:p>
@@ -2395,7 +2395,7 @@
           <p:cNvPr id="6" name="바닥글 개체 틀 5">
             <a:extLst>
               <a:ext uri="{FF2B5EF4-FFF2-40B4-BE49-F238E27FC236}">
-                <a16:creationId xmlns:a16="http://schemas.microsoft.com/office/drawing/2014/main" id="{CCCF2E96-C919-481B-9E58-6BE49EC2A445}"/>
+                <a16:creationId xmlns:a16="http://schemas.microsoft.com/office/drawing/2014/main" xmlns="" id="{CCCF2E96-C919-481B-9E58-6BE49EC2A445}"/>
               </a:ext>
             </a:extLst>
           </p:cNvPr>
@@ -2420,7 +2420,7 @@
           <p:cNvPr id="7" name="슬라이드 번호 개체 틀 6">
             <a:extLst>
               <a:ext uri="{FF2B5EF4-FFF2-40B4-BE49-F238E27FC236}">
-                <a16:creationId xmlns:a16="http://schemas.microsoft.com/office/drawing/2014/main" id="{4D4EB589-17B4-4485-B6CD-4929237B39BF}"/>
+                <a16:creationId xmlns:a16="http://schemas.microsoft.com/office/drawing/2014/main" xmlns="" id="{4D4EB589-17B4-4485-B6CD-4929237B39BF}"/>
               </a:ext>
             </a:extLst>
           </p:cNvPr>
@@ -2479,7 +2479,7 @@
           <p:cNvPr id="2" name="제목 1">
             <a:extLst>
               <a:ext uri="{FF2B5EF4-FFF2-40B4-BE49-F238E27FC236}">
-                <a16:creationId xmlns:a16="http://schemas.microsoft.com/office/drawing/2014/main" id="{EA8FB325-780D-4624-AC83-83FA92C4DDBF}"/>
+                <a16:creationId xmlns:a16="http://schemas.microsoft.com/office/drawing/2014/main" xmlns="" id="{EA8FB325-780D-4624-AC83-83FA92C4DDBF}"/>
               </a:ext>
             </a:extLst>
           </p:cNvPr>
@@ -2516,7 +2516,7 @@
           <p:cNvPr id="3" name="그림 개체 틀 2">
             <a:extLst>
               <a:ext uri="{FF2B5EF4-FFF2-40B4-BE49-F238E27FC236}">
-                <a16:creationId xmlns:a16="http://schemas.microsoft.com/office/drawing/2014/main" id="{1D84C046-1952-4E46-83D3-2AB6CC245A18}"/>
+                <a16:creationId xmlns:a16="http://schemas.microsoft.com/office/drawing/2014/main" xmlns="" id="{1D84C046-1952-4E46-83D3-2AB6CC245A18}"/>
               </a:ext>
             </a:extLst>
           </p:cNvPr>
@@ -2583,7 +2583,7 @@
           <p:cNvPr id="4" name="텍스트 개체 틀 3">
             <a:extLst>
               <a:ext uri="{FF2B5EF4-FFF2-40B4-BE49-F238E27FC236}">
-                <a16:creationId xmlns:a16="http://schemas.microsoft.com/office/drawing/2014/main" id="{42E08000-72AE-4250-BB04-D7489452917C}"/>
+                <a16:creationId xmlns:a16="http://schemas.microsoft.com/office/drawing/2014/main" xmlns="" id="{42E08000-72AE-4250-BB04-D7489452917C}"/>
               </a:ext>
             </a:extLst>
           </p:cNvPr>
@@ -2654,7 +2654,7 @@
           <p:cNvPr id="5" name="날짜 개체 틀 4">
             <a:extLst>
               <a:ext uri="{FF2B5EF4-FFF2-40B4-BE49-F238E27FC236}">
-                <a16:creationId xmlns:a16="http://schemas.microsoft.com/office/drawing/2014/main" id="{7684654B-F678-4763-B626-71DE3B55795C}"/>
+                <a16:creationId xmlns:a16="http://schemas.microsoft.com/office/drawing/2014/main" xmlns="" id="{7684654B-F678-4763-B626-71DE3B55795C}"/>
               </a:ext>
             </a:extLst>
           </p:cNvPr>
@@ -2672,7 +2672,7 @@
           <a:p>
             <a:fld id="{1B1D02C3-EB5A-43ED-B5B8-9288D9E43D0B}" type="datetimeFigureOut">
               <a:rPr lang="ko-KR" altLang="en-US" smtClean="0"/>
-              <a:t>2024-04-05</a:t>
+              <a:t>2025-04-06</a:t>
             </a:fld>
             <a:endParaRPr lang="ko-KR" altLang="en-US"/>
           </a:p>
@@ -2683,7 +2683,7 @@
           <p:cNvPr id="6" name="바닥글 개체 틀 5">
             <a:extLst>
               <a:ext uri="{FF2B5EF4-FFF2-40B4-BE49-F238E27FC236}">
-                <a16:creationId xmlns:a16="http://schemas.microsoft.com/office/drawing/2014/main" id="{5BF065D5-E560-4B22-BAD8-FB8AD5695A2E}"/>
+                <a16:creationId xmlns:a16="http://schemas.microsoft.com/office/drawing/2014/main" xmlns="" id="{5BF065D5-E560-4B22-BAD8-FB8AD5695A2E}"/>
               </a:ext>
             </a:extLst>
           </p:cNvPr>
@@ -2708,7 +2708,7 @@
           <p:cNvPr id="7" name="슬라이드 번호 개체 틀 6">
             <a:extLst>
               <a:ext uri="{FF2B5EF4-FFF2-40B4-BE49-F238E27FC236}">
-                <a16:creationId xmlns:a16="http://schemas.microsoft.com/office/drawing/2014/main" id="{940DB793-4667-45D7-A9F9-9D06424498C1}"/>
+                <a16:creationId xmlns:a16="http://schemas.microsoft.com/office/drawing/2014/main" xmlns="" id="{940DB793-4667-45D7-A9F9-9D06424498C1}"/>
               </a:ext>
             </a:extLst>
           </p:cNvPr>
@@ -2772,7 +2772,7 @@
           <p:cNvPr id="2" name="제목 개체 틀 1">
             <a:extLst>
               <a:ext uri="{FF2B5EF4-FFF2-40B4-BE49-F238E27FC236}">
-                <a16:creationId xmlns:a16="http://schemas.microsoft.com/office/drawing/2014/main" id="{1BADC848-96B3-4363-8E3A-F32A1A2F439C}"/>
+                <a16:creationId xmlns:a16="http://schemas.microsoft.com/office/drawing/2014/main" xmlns="" id="{1BADC848-96B3-4363-8E3A-F32A1A2F439C}"/>
               </a:ext>
             </a:extLst>
           </p:cNvPr>
@@ -2810,7 +2810,7 @@
           <p:cNvPr id="3" name="텍스트 개체 틀 2">
             <a:extLst>
               <a:ext uri="{FF2B5EF4-FFF2-40B4-BE49-F238E27FC236}">
-                <a16:creationId xmlns:a16="http://schemas.microsoft.com/office/drawing/2014/main" id="{B9A3C17F-70E5-46C5-94CC-4C031AE1C4CD}"/>
+                <a16:creationId xmlns:a16="http://schemas.microsoft.com/office/drawing/2014/main" xmlns="" id="{B9A3C17F-70E5-46C5-94CC-4C031AE1C4CD}"/>
               </a:ext>
             </a:extLst>
           </p:cNvPr>
@@ -2877,7 +2877,7 @@
           <p:cNvPr id="4" name="날짜 개체 틀 3">
             <a:extLst>
               <a:ext uri="{FF2B5EF4-FFF2-40B4-BE49-F238E27FC236}">
-                <a16:creationId xmlns:a16="http://schemas.microsoft.com/office/drawing/2014/main" id="{9695ED33-059A-4E1E-8BBA-44215243CCC7}"/>
+                <a16:creationId xmlns:a16="http://schemas.microsoft.com/office/drawing/2014/main" xmlns="" id="{9695ED33-059A-4E1E-8BBA-44215243CCC7}"/>
               </a:ext>
             </a:extLst>
           </p:cNvPr>
@@ -2913,7 +2913,7 @@
           <a:p>
             <a:fld id="{1B1D02C3-EB5A-43ED-B5B8-9288D9E43D0B}" type="datetimeFigureOut">
               <a:rPr lang="ko-KR" altLang="en-US" smtClean="0"/>
-              <a:t>2024-04-05</a:t>
+              <a:t>2025-04-06</a:t>
             </a:fld>
             <a:endParaRPr lang="ko-KR" altLang="en-US"/>
           </a:p>
@@ -2924,7 +2924,7 @@
           <p:cNvPr id="5" name="바닥글 개체 틀 4">
             <a:extLst>
               <a:ext uri="{FF2B5EF4-FFF2-40B4-BE49-F238E27FC236}">
-                <a16:creationId xmlns:a16="http://schemas.microsoft.com/office/drawing/2014/main" id="{3705C714-97C0-45C9-931B-C85D44DDF8FB}"/>
+                <a16:creationId xmlns:a16="http://schemas.microsoft.com/office/drawing/2014/main" xmlns="" id="{3705C714-97C0-45C9-931B-C85D44DDF8FB}"/>
               </a:ext>
             </a:extLst>
           </p:cNvPr>
@@ -2967,7 +2967,7 @@
           <p:cNvPr id="6" name="슬라이드 번호 개체 틀 5">
             <a:extLst>
               <a:ext uri="{FF2B5EF4-FFF2-40B4-BE49-F238E27FC236}">
-                <a16:creationId xmlns:a16="http://schemas.microsoft.com/office/drawing/2014/main" id="{770DE1ED-ECC9-487E-AD69-87D76C2FF13D}"/>
+                <a16:creationId xmlns:a16="http://schemas.microsoft.com/office/drawing/2014/main" xmlns="" id="{770DE1ED-ECC9-487E-AD69-87D76C2FF13D}"/>
               </a:ext>
             </a:extLst>
           </p:cNvPr>
@@ -3330,42 +3330,61 @@
           <a:chExt cx="0" cy="0"/>
         </a:xfrm>
       </p:grpSpPr>
-      <p:pic>
-        <p:nvPicPr>
-          <p:cNvPr id="5" name="그림 4">
-            <a:extLst>
-              <a:ext uri="{FF2B5EF4-FFF2-40B4-BE49-F238E27FC236}">
-                <a16:creationId xmlns:a16="http://schemas.microsoft.com/office/drawing/2014/main" id="{CFD54613-B379-43B2-87FA-6AAA6CA8793F}"/>
-              </a:ext>
-            </a:extLst>
-          </p:cNvPr>
-          <p:cNvPicPr>
-            <a:picLocks noChangeAspect="1"/>
-          </p:cNvPicPr>
+      <p:sp>
+        <p:nvSpPr>
+          <p:cNvPr id="2" name="직사각형 1"/>
+          <p:cNvSpPr/>
           <p:nvPr/>
-        </p:nvPicPr>
-        <p:blipFill>
-          <a:blip r:embed="rId2"/>
-          <a:stretch>
-            <a:fillRect/>
-          </a:stretch>
-        </p:blipFill>
+        </p:nvSpPr>
         <p:spPr>
           <a:xfrm>
-            <a:off x="205409" y="221145"/>
-            <a:ext cx="11696700" cy="6391689"/>
+            <a:off x="49427" y="123568"/>
+            <a:ext cx="12093146" cy="6639697"/>
           </a:xfrm>
           <a:prstGeom prst="rect">
             <a:avLst/>
           </a:prstGeom>
+          <a:solidFill>
+            <a:schemeClr val="tx1">
+              <a:lumMod val="75000"/>
+              <a:lumOff val="25000"/>
+            </a:schemeClr>
+          </a:solidFill>
+          <a:ln>
+            <a:noFill/>
+          </a:ln>
         </p:spPr>
-      </p:pic>
+        <p:style>
+          <a:lnRef idx="2">
+            <a:schemeClr val="accent1">
+              <a:shade val="50000"/>
+            </a:schemeClr>
+          </a:lnRef>
+          <a:fillRef idx="1">
+            <a:schemeClr val="accent1"/>
+          </a:fillRef>
+          <a:effectRef idx="0">
+            <a:schemeClr val="accent1"/>
+          </a:effectRef>
+          <a:fontRef idx="minor">
+            <a:schemeClr val="lt1"/>
+          </a:fontRef>
+        </p:style>
+        <p:txBody>
+          <a:bodyPr rtlCol="0" anchor="ctr"/>
+          <a:lstStyle/>
+          <a:p>
+            <a:pPr algn="ctr"/>
+            <a:endParaRPr lang="ko-KR" altLang="en-US"/>
+          </a:p>
+        </p:txBody>
+      </p:sp>
       <p:sp>
         <p:nvSpPr>
           <p:cNvPr id="8" name="TextBox 7">
             <a:extLst>
               <a:ext uri="{FF2B5EF4-FFF2-40B4-BE49-F238E27FC236}">
-                <a16:creationId xmlns:a16="http://schemas.microsoft.com/office/drawing/2014/main" id="{662110B8-D14B-4879-9CBC-FF10B2BFAA16}"/>
+                <a16:creationId xmlns:a16="http://schemas.microsoft.com/office/drawing/2014/main" xmlns="" id="{662110B8-D14B-4879-9CBC-FF10B2BFAA16}"/>
               </a:ext>
             </a:extLst>
           </p:cNvPr>
@@ -3374,8 +3393,8 @@
         </p:nvSpPr>
         <p:spPr>
           <a:xfrm>
-            <a:off x="4890053" y="4465983"/>
-            <a:ext cx="1914050" cy="646331"/>
+            <a:off x="4111322" y="4465983"/>
+            <a:ext cx="3969356" cy="646331"/>
           </a:xfrm>
           <a:prstGeom prst="rect">
             <a:avLst/>
@@ -3389,34 +3408,34 @@
           <a:lstStyle/>
           <a:p>
             <a:r>
-              <a:rPr lang="en-US" altLang="ko-KR" sz="3600" b="1" dirty="0">
+              <a:rPr lang="en-US" altLang="ko-KR" sz="3600" b="1" dirty="0" smtClean="0">
                 <a:solidFill>
                   <a:schemeClr val="bg1">
                     <a:lumMod val="75000"/>
                   </a:schemeClr>
                 </a:solidFill>
               </a:rPr>
-              <a:t>Java</a:t>
-            </a:r>
-            <a:r>
-              <a:rPr lang="ko-KR" altLang="en-US" sz="3600" b="1" dirty="0">
+              <a:t>The </a:t>
+            </a:r>
+            <a:r>
+              <a:rPr lang="en-US" altLang="ko-KR" sz="3600" b="1" dirty="0" err="1" smtClean="0">
                 <a:solidFill>
                   <a:schemeClr val="bg1">
                     <a:lumMod val="75000"/>
                   </a:schemeClr>
                 </a:solidFill>
               </a:rPr>
-              <a:t> </a:t>
-            </a:r>
-            <a:r>
-              <a:rPr lang="en-US" altLang="ko-KR" sz="3600" b="1" dirty="0">
+              <a:t>Joeun</a:t>
+            </a:r>
+            <a:r>
+              <a:rPr lang="en-US" altLang="ko-KR" sz="3600" b="1" dirty="0" smtClean="0">
                 <a:solidFill>
                   <a:schemeClr val="bg1">
                     <a:lumMod val="75000"/>
                   </a:schemeClr>
                 </a:solidFill>
               </a:rPr>
-              <a:t>Air</a:t>
+              <a:t> Movie</a:t>
             </a:r>
             <a:endParaRPr lang="ko-KR" altLang="en-US" sz="3600" b="1" dirty="0">
               <a:solidFill>
@@ -3433,7 +3452,7 @@
           <p:cNvPr id="9" name="TextBox 8">
             <a:extLst>
               <a:ext uri="{FF2B5EF4-FFF2-40B4-BE49-F238E27FC236}">
-                <a16:creationId xmlns:a16="http://schemas.microsoft.com/office/drawing/2014/main" id="{D1435553-D930-43D6-BBD7-3D78F760CF8E}"/>
+                <a16:creationId xmlns:a16="http://schemas.microsoft.com/office/drawing/2014/main" xmlns="" id="{D1435553-D930-43D6-BBD7-3D78F760CF8E}"/>
               </a:ext>
             </a:extLst>
           </p:cNvPr>
@@ -3442,7 +3461,7 @@
         </p:nvSpPr>
         <p:spPr>
           <a:xfrm>
-            <a:off x="4994694" y="5072329"/>
+            <a:off x="5241945" y="5072329"/>
             <a:ext cx="1708110" cy="253916"/>
           </a:xfrm>
           <a:prstGeom prst="rect">
@@ -3523,7 +3542,7 @@
           <p:cNvPr id="2" name="제목 1">
             <a:extLst>
               <a:ext uri="{FF2B5EF4-FFF2-40B4-BE49-F238E27FC236}">
-                <a16:creationId xmlns:a16="http://schemas.microsoft.com/office/drawing/2014/main" id="{EE988003-2CBE-451C-992D-939DFC1C63A6}"/>
+                <a16:creationId xmlns:a16="http://schemas.microsoft.com/office/drawing/2014/main" xmlns="" id="{EE988003-2CBE-451C-992D-939DFC1C63A6}"/>
               </a:ext>
             </a:extLst>
           </p:cNvPr>
@@ -3541,17 +3560,36 @@
           </a:xfrm>
         </p:spPr>
         <p:txBody>
-          <a:bodyPr/>
+          <a:bodyPr>
+            <a:normAutofit/>
+          </a:bodyPr>
           <a:lstStyle/>
           <a:p>
             <a:r>
-              <a:rPr lang="en-US" altLang="ko-KR" dirty="0"/>
-              <a:t>Java Air</a:t>
+              <a:rPr lang="en-US" altLang="ko-KR" b="1" dirty="0"/>
+              <a:t>The </a:t>
+            </a:r>
+            <a:r>
+              <a:rPr lang="en-US" altLang="ko-KR" b="1" dirty="0" err="1"/>
+              <a:t>Joeun</a:t>
+            </a:r>
+            <a:r>
+              <a:rPr lang="en-US" altLang="ko-KR" b="1" dirty="0"/>
+              <a:t> </a:t>
+            </a:r>
+            <a:r>
+              <a:rPr lang="en-US" altLang="ko-KR" b="1" dirty="0" smtClean="0"/>
+              <a:t>Movie</a:t>
             </a:r>
             <a:r>
               <a:rPr lang="ko-KR" altLang="en-US" dirty="0"/>
-              <a:t> 기능</a:t>
-            </a:r>
+              <a:t> </a:t>
+            </a:r>
+            <a:r>
+              <a:rPr lang="ko-KR" altLang="en-US" dirty="0" smtClean="0"/>
+              <a:t>기능</a:t>
+            </a:r>
+            <a:endParaRPr lang="ko-KR" altLang="en-US" dirty="0"/>
           </a:p>
         </p:txBody>
       </p:sp>
@@ -3560,7 +3598,7 @@
           <p:cNvPr id="3" name="내용 개체 틀 2">
             <a:extLst>
               <a:ext uri="{FF2B5EF4-FFF2-40B4-BE49-F238E27FC236}">
-                <a16:creationId xmlns:a16="http://schemas.microsoft.com/office/drawing/2014/main" id="{43140D36-B20C-44D0-90CE-6785341CAA00}"/>
+                <a16:creationId xmlns:a16="http://schemas.microsoft.com/office/drawing/2014/main" xmlns="" id="{43140D36-B20C-44D0-90CE-6785341CAA00}"/>
               </a:ext>
             </a:extLst>
           </p:cNvPr>
@@ -3574,7 +3612,7 @@
         <p:spPr/>
         <p:txBody>
           <a:bodyPr>
-            <a:normAutofit fontScale="92500" lnSpcReduction="20000"/>
+            <a:normAutofit fontScale="85000" lnSpcReduction="10000"/>
           </a:bodyPr>
           <a:lstStyle/>
           <a:p>
@@ -3584,43 +3622,79 @@
               </a:lnSpc>
             </a:pPr>
             <a:r>
+              <a:rPr lang="en-US" altLang="ko-KR" sz="2000" b="1" dirty="0"/>
+              <a:t>The </a:t>
+            </a:r>
+            <a:r>
+              <a:rPr lang="en-US" altLang="ko-KR" sz="2000" b="1" dirty="0" err="1"/>
+              <a:t>Joeun</a:t>
+            </a:r>
+            <a:r>
+              <a:rPr lang="en-US" altLang="ko-KR" sz="2000" b="1" dirty="0"/>
+              <a:t> Movie </a:t>
+            </a:r>
+            <a:r>
+              <a:rPr lang="ko-KR" altLang="en-US" sz="2000" dirty="0" smtClean="0">
+                <a:latin typeface="+mj-lt"/>
+              </a:rPr>
+              <a:t>는 </a:t>
+            </a:r>
+            <a:r>
+              <a:rPr lang="ko-KR" altLang="en-US" sz="2000" dirty="0" smtClean="0">
+                <a:latin typeface="+mj-lt"/>
+              </a:rPr>
+              <a:t>영화</a:t>
+            </a:r>
+            <a:r>
+              <a:rPr lang="ko-KR" altLang="en-US" sz="2000" dirty="0" smtClean="0">
+                <a:latin typeface="+mj-lt"/>
+              </a:rPr>
+              <a:t> </a:t>
+            </a:r>
+            <a:r>
+              <a:rPr lang="ko-KR" altLang="en-US" sz="2000" dirty="0">
+                <a:latin typeface="+mj-lt"/>
+              </a:rPr>
+              <a:t>조회</a:t>
+            </a:r>
+            <a:r>
               <a:rPr lang="en-US" altLang="ko-KR" sz="2000" dirty="0">
                 <a:latin typeface="+mj-lt"/>
               </a:rPr>
-              <a:t>Java Air</a:t>
+              <a:t>, </a:t>
             </a:r>
             <a:r>
               <a:rPr lang="ko-KR" altLang="en-US" sz="2000" dirty="0">
                 <a:latin typeface="+mj-lt"/>
               </a:rPr>
-              <a:t>는 항공편 조회</a:t>
+              <a:t>예약 및 티켓 출력을 제공하는 시스템입니다</a:t>
             </a:r>
             <a:r>
               <a:rPr lang="en-US" altLang="ko-KR" sz="2000" dirty="0">
                 <a:latin typeface="+mj-lt"/>
               </a:rPr>
-              <a:t>, </a:t>
+              <a:t>. </a:t>
             </a:r>
             <a:r>
               <a:rPr lang="ko-KR" altLang="en-US" sz="2000" dirty="0">
                 <a:latin typeface="+mj-lt"/>
               </a:rPr>
-              <a:t>예약 및 티켓 출력을 제공하는 시스템입니다</a:t>
-            </a:r>
-            <a:r>
-              <a:rPr lang="en-US" altLang="ko-KR" sz="2000" dirty="0">
-                <a:latin typeface="+mj-lt"/>
-              </a:rPr>
-              <a:t>. </a:t>
+              <a:t>프로그램을 시작하면 사용자는 </a:t>
+            </a:r>
+            <a:r>
+              <a:rPr lang="ko-KR" altLang="en-US" sz="2000" dirty="0" smtClean="0">
+                <a:latin typeface="+mj-lt"/>
+              </a:rPr>
+              <a:t>영화 목록 </a:t>
             </a:r>
             <a:r>
               <a:rPr lang="ko-KR" altLang="en-US" sz="2000" dirty="0">
                 <a:latin typeface="+mj-lt"/>
               </a:rPr>
-              <a:t>프로그램을 시작하면 사용자는 항공편 조회 및 예약을 할 수 있습니다</a:t>
-            </a:r>
-            <a:r>
-              <a:rPr lang="en-US" altLang="ko-KR" sz="2000" dirty="0">
+              <a:t>조회 및 예약을 할 수 있습니다</a:t>
+            </a:r>
+            <a:r>
+              <a:rPr lang="en-US" altLang="ko-KR" sz="2000" dirty="0" smtClean="0">
                 <a:latin typeface="+mj-lt"/>
               </a:rPr>
               <a:t>.</a:t>
@@ -3633,89 +3707,20 @@
               </a:lnSpc>
             </a:pPr>
             <a:r>
-              <a:rPr lang="ko-KR" altLang="en-US" sz="2000" dirty="0">
-                <a:latin typeface="+mj-lt"/>
-              </a:rPr>
-              <a:t>항공편 예약 메뉴에서는 사용자가 항공편을 선택하고 예약자의 이름과 나이를 입력합니다</a:t>
-            </a:r>
-            <a:r>
-              <a:rPr lang="en-US" altLang="ko-KR" sz="2000" dirty="0">
-                <a:latin typeface="+mj-lt"/>
-              </a:rPr>
-              <a:t>. </a:t>
-            </a:r>
-            <a:r>
-              <a:rPr lang="ko-KR" altLang="en-US" sz="2000" dirty="0">
-                <a:latin typeface="+mj-lt"/>
-              </a:rPr>
-              <a:t>국제선을 예약하는 경우</a:t>
-            </a:r>
-            <a:r>
-              <a:rPr lang="en-US" altLang="ko-KR" sz="2000" dirty="0">
-                <a:latin typeface="+mj-lt"/>
-              </a:rPr>
-              <a:t>,</a:t>
-            </a:r>
-            <a:r>
-              <a:rPr lang="ko-KR" altLang="en-US" sz="2000" dirty="0">
-                <a:latin typeface="+mj-lt"/>
-              </a:rPr>
-              <a:t> 예약자의 나이가 만 </a:t>
-            </a:r>
-            <a:r>
-              <a:rPr lang="en-US" altLang="ko-KR" sz="2000" dirty="0">
-                <a:latin typeface="+mj-lt"/>
-              </a:rPr>
-              <a:t>15</a:t>
-            </a:r>
-            <a:r>
-              <a:rPr lang="ko-KR" altLang="en-US" sz="2000" dirty="0">
-                <a:latin typeface="+mj-lt"/>
-              </a:rPr>
-              <a:t>세 미만이면 예약이 거절됩니다</a:t>
-            </a:r>
-            <a:r>
-              <a:rPr lang="en-US" altLang="ko-KR" sz="2000" dirty="0">
-                <a:latin typeface="+mj-lt"/>
-              </a:rPr>
-              <a:t>. </a:t>
-            </a:r>
-            <a:r>
-              <a:rPr lang="ko-KR" altLang="en-US" sz="2000" dirty="0">
-                <a:latin typeface="+mj-lt"/>
-              </a:rPr>
-              <a:t>결격 사유가 없는 경우</a:t>
-            </a:r>
-            <a:r>
-              <a:rPr lang="en-US" altLang="ko-KR" sz="2000" dirty="0">
-                <a:latin typeface="+mj-lt"/>
-              </a:rPr>
-              <a:t>, </a:t>
-            </a:r>
-            <a:r>
-              <a:rPr lang="ko-KR" altLang="en-US" sz="2000" dirty="0">
-                <a:latin typeface="+mj-lt"/>
-              </a:rPr>
-              <a:t>좌석 선택메뉴로 이동하며 이미 예약된 좌석은 예약이 불가합니다</a:t>
-            </a:r>
-            <a:r>
-              <a:rPr lang="en-US" altLang="ko-KR" sz="2000" dirty="0">
-                <a:latin typeface="+mj-lt"/>
-              </a:rPr>
-              <a:t>. </a:t>
-            </a:r>
-            <a:r>
-              <a:rPr lang="ko-KR" altLang="en-US" sz="2000" dirty="0">
-                <a:latin typeface="+mj-lt"/>
-              </a:rPr>
-              <a:t>빈 좌석을 선택하면 정상적으로 예약이 완료됩니다</a:t>
-            </a:r>
-            <a:r>
-              <a:rPr lang="en-US" altLang="ko-KR" sz="2000" dirty="0">
+              <a:rPr lang="ko-KR" altLang="en-US" sz="2000" dirty="0" smtClean="0">
+                <a:latin typeface="+mj-lt"/>
+              </a:rPr>
+              <a:t>영화 목록은 극장에서 상영중인 영화의 전체 목록과 정보를 조회할 수 있습니다</a:t>
+            </a:r>
+            <a:r>
+              <a:rPr lang="en-US" altLang="ko-KR" sz="2000" dirty="0" smtClean="0">
                 <a:latin typeface="+mj-lt"/>
               </a:rPr>
               <a:t>.</a:t>
             </a:r>
+            <a:endParaRPr lang="en-US" altLang="ko-KR" sz="2000" dirty="0">
+              <a:latin typeface="+mj-lt"/>
+            </a:endParaRPr>
           </a:p>
           <a:p>
             <a:pPr>
@@ -3724,29 +3729,104 @@
               </a:lnSpc>
             </a:pPr>
             <a:r>
+              <a:rPr lang="ko-KR" altLang="en-US" sz="2000" dirty="0" smtClean="0">
+                <a:latin typeface="+mj-lt"/>
+              </a:rPr>
+              <a:t>영화 예매 </a:t>
+            </a:r>
+            <a:r>
               <a:rPr lang="ko-KR" altLang="en-US" sz="2000" dirty="0">
                 <a:latin typeface="+mj-lt"/>
               </a:rPr>
-              <a:t>예약을 완료하면 예약자의 이름과 결제 비밀번호를 입력 받아 예약 조회</a:t>
-            </a:r>
-            <a:r>
-              <a:rPr lang="en-US" altLang="ko-KR" sz="2000" dirty="0">
+              <a:t>메뉴에서는 </a:t>
+            </a:r>
+            <a:r>
+              <a:rPr lang="ko-KR" altLang="en-US" sz="2000" dirty="0" smtClean="0">
+                <a:latin typeface="+mj-lt"/>
+              </a:rPr>
+              <a:t>당일 현재 시각에서 예매할 수 있는 영화만 목록으로 보여주고</a:t>
+            </a:r>
+            <a:r>
+              <a:rPr lang="en-US" altLang="ko-KR" sz="2000" dirty="0" smtClean="0">
                 <a:latin typeface="+mj-lt"/>
               </a:rPr>
               <a:t>, </a:t>
             </a:r>
             <a:r>
-              <a:rPr lang="ko-KR" altLang="en-US" sz="2000" dirty="0">
-                <a:latin typeface="+mj-lt"/>
-              </a:rPr>
-              <a:t>티켓 출력이 가능합니다</a:t>
-            </a:r>
-            <a:r>
-              <a:rPr lang="en-US" altLang="ko-KR" sz="2000" dirty="0">
+              <a:rPr lang="ko-KR" altLang="en-US" sz="2000" dirty="0" smtClean="0">
+                <a:latin typeface="+mj-lt"/>
+              </a:rPr>
+              <a:t>예매자의 이름과 생년월일을 입력 후 영화를 선택합니다</a:t>
+            </a:r>
+            <a:r>
+              <a:rPr lang="en-US" altLang="ko-KR" sz="2000" dirty="0" smtClean="0">
+                <a:latin typeface="+mj-lt"/>
+              </a:rPr>
+              <a:t>. </a:t>
+            </a:r>
+            <a:r>
+              <a:rPr lang="ko-KR" altLang="en-US" sz="2000" dirty="0" smtClean="0">
+                <a:latin typeface="+mj-lt"/>
+              </a:rPr>
+              <a:t>영화의 </a:t>
+            </a:r>
+            <a:r>
+              <a:rPr lang="ko-KR" altLang="en-US" sz="2000" dirty="0" err="1" smtClean="0">
+                <a:latin typeface="+mj-lt"/>
+              </a:rPr>
+              <a:t>제한연령가에</a:t>
+            </a:r>
+            <a:r>
+              <a:rPr lang="ko-KR" altLang="en-US" sz="2000" dirty="0" smtClean="0">
+                <a:latin typeface="+mj-lt"/>
+              </a:rPr>
+              <a:t> 따라 나이가 제한되면 예매가 거절됩니다</a:t>
+            </a:r>
+            <a:r>
+              <a:rPr lang="en-US" altLang="ko-KR" sz="2000" dirty="0" smtClean="0">
+                <a:latin typeface="+mj-lt"/>
+              </a:rPr>
+              <a:t>. </a:t>
+            </a:r>
+            <a:r>
+              <a:rPr lang="ko-KR" altLang="en-US" sz="2000" dirty="0" smtClean="0">
+                <a:latin typeface="+mj-lt"/>
+              </a:rPr>
+              <a:t>관람연령에 문제가 없는 경우 좌석 선택 메뉴로 이동하며</a:t>
+            </a:r>
+            <a:r>
+              <a:rPr lang="en-US" altLang="ko-KR" sz="2000" dirty="0" smtClean="0">
+                <a:latin typeface="+mj-lt"/>
+              </a:rPr>
+              <a:t>, </a:t>
+            </a:r>
+            <a:r>
+              <a:rPr lang="ko-KR" altLang="en-US" sz="2000" dirty="0" smtClean="0">
+                <a:latin typeface="+mj-lt"/>
+              </a:rPr>
+              <a:t>이미 예매된 좌석은 예약이 불가합니다</a:t>
+            </a:r>
+            <a:r>
+              <a:rPr lang="en-US" altLang="ko-KR" sz="2000" dirty="0" smtClean="0">
+                <a:latin typeface="+mj-lt"/>
+              </a:rPr>
+              <a:t>. </a:t>
+            </a:r>
+            <a:r>
+              <a:rPr lang="ko-KR" altLang="en-US" sz="2000" dirty="0" smtClean="0">
+                <a:latin typeface="+mj-lt"/>
+              </a:rPr>
+              <a:t>빈 좌석의 번호를 선택하면 정상적으로 예매가 완료됩니다</a:t>
+            </a:r>
+            <a:r>
+              <a:rPr lang="en-US" altLang="ko-KR" sz="2000" dirty="0" smtClean="0">
                 <a:latin typeface="+mj-lt"/>
               </a:rPr>
               <a:t>.</a:t>
             </a:r>
+            <a:endParaRPr lang="en-US" altLang="ko-KR" sz="2000" dirty="0" smtClean="0">
+              <a:latin typeface="+mj-lt"/>
+            </a:endParaRPr>
           </a:p>
           <a:p>
             <a:pPr>
@@ -3755,22 +3835,89 @@
               </a:lnSpc>
             </a:pPr>
             <a:r>
+              <a:rPr lang="ko-KR" altLang="en-US" sz="2000" dirty="0" smtClean="0">
+                <a:latin typeface="+mj-lt"/>
+              </a:rPr>
+              <a:t>예매가 </a:t>
+            </a:r>
+            <a:r>
               <a:rPr lang="ko-KR" altLang="en-US" sz="2000" dirty="0">
                 <a:latin typeface="+mj-lt"/>
               </a:rPr>
+              <a:t>완료하면 </a:t>
+            </a:r>
+            <a:r>
+              <a:rPr lang="ko-KR" altLang="en-US" sz="2000" dirty="0" smtClean="0">
+                <a:latin typeface="+mj-lt"/>
+              </a:rPr>
+              <a:t>예매자의 </a:t>
+            </a:r>
+            <a:r>
+              <a:rPr lang="ko-KR" altLang="en-US" sz="2000" dirty="0">
+                <a:latin typeface="+mj-lt"/>
+              </a:rPr>
+              <a:t>이름과 결제 비밀번호를 입력 받아 예약 조회</a:t>
+            </a:r>
+            <a:r>
+              <a:rPr lang="en-US" altLang="ko-KR" sz="2000" dirty="0">
+                <a:latin typeface="+mj-lt"/>
+              </a:rPr>
+              <a:t>, </a:t>
+            </a:r>
+            <a:r>
+              <a:rPr lang="ko-KR" altLang="en-US" sz="2000" dirty="0">
+                <a:latin typeface="+mj-lt"/>
+              </a:rPr>
+              <a:t>티켓 출력이 가능합니다</a:t>
+            </a:r>
+            <a:r>
+              <a:rPr lang="en-US" altLang="ko-KR" sz="2000" dirty="0">
+                <a:latin typeface="+mj-lt"/>
+              </a:rPr>
+              <a:t>.</a:t>
+            </a:r>
+          </a:p>
+          <a:p>
+            <a:pPr>
+              <a:lnSpc>
+                <a:spcPct val="150000"/>
+              </a:lnSpc>
+            </a:pPr>
+            <a:r>
+              <a:rPr lang="ko-KR" altLang="en-US" sz="2000" dirty="0">
+                <a:latin typeface="+mj-lt"/>
+              </a:rPr>
               <a:t>항공편 업로드 메뉴를 선택하면 </a:t>
             </a:r>
             <a:r>
-              <a:rPr lang="en-US" altLang="ko-KR" sz="2000" dirty="0">
-                <a:latin typeface="+mj-lt"/>
-              </a:rPr>
-              <a:t>‘C:\ticket\schedule.txt’ </a:t>
+              <a:rPr lang="en-US" altLang="ko-KR" sz="2000" dirty="0" smtClean="0">
+                <a:latin typeface="+mj-lt"/>
+              </a:rPr>
+              <a:t>‘</a:t>
+            </a:r>
+            <a:r>
+              <a:rPr lang="en-US" altLang="ko-KR" sz="1800" dirty="0" smtClean="0"/>
+              <a:t>D:\\</a:t>
+            </a:r>
+            <a:r>
+              <a:rPr lang="en-US" altLang="ko-KR" sz="1800" dirty="0"/>
+              <a:t>ticket\\</a:t>
+            </a:r>
+            <a:r>
+              <a:rPr lang="en-US" altLang="ko-KR" sz="1800" dirty="0" smtClean="0"/>
+              <a:t>addMonvieList.txt </a:t>
+            </a:r>
+            <a:r>
+              <a:rPr lang="ko-KR" altLang="en-US" sz="2000" dirty="0" smtClean="0">
+                <a:latin typeface="+mj-lt"/>
+              </a:rPr>
+              <a:t>파일을 </a:t>
             </a:r>
             <a:r>
               <a:rPr lang="ko-KR" altLang="en-US" sz="2000" dirty="0">
                 <a:latin typeface="+mj-lt"/>
               </a:rPr>
-              <a:t>파일을 불러와 항공편 목록에 추가 할 수 있습니다</a:t>
+              <a:t>불러와 항공편 목록에 추가 할 수 있습니다</a:t>
             </a:r>
             <a:r>
               <a:rPr lang="en-US" altLang="ko-KR" sz="2000" dirty="0">
@@ -3819,7 +3966,7 @@
           <p:cNvPr id="2" name="제목 1">
             <a:extLst>
               <a:ext uri="{FF2B5EF4-FFF2-40B4-BE49-F238E27FC236}">
-                <a16:creationId xmlns:a16="http://schemas.microsoft.com/office/drawing/2014/main" id="{7389F732-4FF3-430E-BA89-C88923AA5B8C}"/>
+                <a16:creationId xmlns:a16="http://schemas.microsoft.com/office/drawing/2014/main" xmlns="" id="{7389F732-4FF3-430E-BA89-C88923AA5B8C}"/>
               </a:ext>
             </a:extLst>
           </p:cNvPr>
@@ -3856,7 +4003,7 @@
           <p:cNvPr id="3" name="그룹 2">
             <a:extLst>
               <a:ext uri="{FF2B5EF4-FFF2-40B4-BE49-F238E27FC236}">
-                <a16:creationId xmlns:a16="http://schemas.microsoft.com/office/drawing/2014/main" id="{AFE75811-B5CF-4DC5-91A9-31310C541A7E}"/>
+                <a16:creationId xmlns:a16="http://schemas.microsoft.com/office/drawing/2014/main" xmlns="" id="{AFE75811-B5CF-4DC5-91A9-31310C541A7E}"/>
               </a:ext>
             </a:extLst>
           </p:cNvPr>
@@ -3876,7 +4023,7 @@
             <p:cNvPr id="4" name="순서도: 대체 처리 3">
               <a:extLst>
                 <a:ext uri="{FF2B5EF4-FFF2-40B4-BE49-F238E27FC236}">
-                  <a16:creationId xmlns:a16="http://schemas.microsoft.com/office/drawing/2014/main" id="{F04F56D2-8BB2-4264-B18A-43A6AE620560}"/>
+                  <a16:creationId xmlns:a16="http://schemas.microsoft.com/office/drawing/2014/main" xmlns="" id="{F04F56D2-8BB2-4264-B18A-43A6AE620560}"/>
                 </a:ext>
               </a:extLst>
             </p:cNvPr>
@@ -3938,7 +4085,7 @@
             <p:cNvPr id="5" name="순서도: 대체 처리 4">
               <a:extLst>
                 <a:ext uri="{FF2B5EF4-FFF2-40B4-BE49-F238E27FC236}">
-                  <a16:creationId xmlns:a16="http://schemas.microsoft.com/office/drawing/2014/main" id="{61336E03-0824-4196-9960-0D93DC431748}"/>
+                  <a16:creationId xmlns:a16="http://schemas.microsoft.com/office/drawing/2014/main" xmlns="" id="{61336E03-0824-4196-9960-0D93DC431748}"/>
                 </a:ext>
               </a:extLst>
             </p:cNvPr>
@@ -4000,7 +4147,7 @@
             <p:cNvPr id="6" name="순서도: 대체 처리 5">
               <a:extLst>
                 <a:ext uri="{FF2B5EF4-FFF2-40B4-BE49-F238E27FC236}">
-                  <a16:creationId xmlns:a16="http://schemas.microsoft.com/office/drawing/2014/main" id="{C0E74CBB-E9DB-423D-94B0-B106ABB0B64E}"/>
+                  <a16:creationId xmlns:a16="http://schemas.microsoft.com/office/drawing/2014/main" xmlns="" id="{C0E74CBB-E9DB-423D-94B0-B106ABB0B64E}"/>
                 </a:ext>
               </a:extLst>
             </p:cNvPr>
@@ -4062,7 +4209,7 @@
             <p:cNvPr id="7" name="순서도: 대체 처리 6">
               <a:extLst>
                 <a:ext uri="{FF2B5EF4-FFF2-40B4-BE49-F238E27FC236}">
-                  <a16:creationId xmlns:a16="http://schemas.microsoft.com/office/drawing/2014/main" id="{CF02F836-27AF-4292-A4F5-FF902A294C15}"/>
+                  <a16:creationId xmlns:a16="http://schemas.microsoft.com/office/drawing/2014/main" xmlns="" id="{CF02F836-27AF-4292-A4F5-FF902A294C15}"/>
                 </a:ext>
               </a:extLst>
             </p:cNvPr>
@@ -4124,7 +4271,7 @@
             <p:cNvPr id="8" name="순서도: 대체 처리 7">
               <a:extLst>
                 <a:ext uri="{FF2B5EF4-FFF2-40B4-BE49-F238E27FC236}">
-                  <a16:creationId xmlns:a16="http://schemas.microsoft.com/office/drawing/2014/main" id="{FCAE2197-735F-4AF8-A9CB-1A43B6FCB2D1}"/>
+                  <a16:creationId xmlns:a16="http://schemas.microsoft.com/office/drawing/2014/main" xmlns="" id="{FCAE2197-735F-4AF8-A9CB-1A43B6FCB2D1}"/>
                 </a:ext>
               </a:extLst>
             </p:cNvPr>
@@ -4198,7 +4345,7 @@
             <p:cNvPr id="9" name="순서도: 대체 처리 8">
               <a:extLst>
                 <a:ext uri="{FF2B5EF4-FFF2-40B4-BE49-F238E27FC236}">
-                  <a16:creationId xmlns:a16="http://schemas.microsoft.com/office/drawing/2014/main" id="{607ABCCD-9AF3-418B-833E-CA227B70C5EF}"/>
+                  <a16:creationId xmlns:a16="http://schemas.microsoft.com/office/drawing/2014/main" xmlns="" id="{607ABCCD-9AF3-418B-833E-CA227B70C5EF}"/>
                 </a:ext>
               </a:extLst>
             </p:cNvPr>
@@ -4272,7 +4419,7 @@
             <p:cNvPr id="10" name="순서도: 대체 처리 9">
               <a:extLst>
                 <a:ext uri="{FF2B5EF4-FFF2-40B4-BE49-F238E27FC236}">
-                  <a16:creationId xmlns:a16="http://schemas.microsoft.com/office/drawing/2014/main" id="{8BD5E63E-84B7-48E6-8FB8-82080269065F}"/>
+                  <a16:creationId xmlns:a16="http://schemas.microsoft.com/office/drawing/2014/main" xmlns="" id="{8BD5E63E-84B7-48E6-8FB8-82080269065F}"/>
                 </a:ext>
               </a:extLst>
             </p:cNvPr>
@@ -4334,7 +4481,7 @@
             <p:cNvPr id="11" name="순서도: 대체 처리 10">
               <a:extLst>
                 <a:ext uri="{FF2B5EF4-FFF2-40B4-BE49-F238E27FC236}">
-                  <a16:creationId xmlns:a16="http://schemas.microsoft.com/office/drawing/2014/main" id="{914AE32F-E325-4DB0-B1D7-4BCD91712141}"/>
+                  <a16:creationId xmlns:a16="http://schemas.microsoft.com/office/drawing/2014/main" xmlns="" id="{914AE32F-E325-4DB0-B1D7-4BCD91712141}"/>
                 </a:ext>
               </a:extLst>
             </p:cNvPr>
@@ -4396,7 +4543,7 @@
             <p:cNvPr id="12" name="순서도: 대체 처리 11">
               <a:extLst>
                 <a:ext uri="{FF2B5EF4-FFF2-40B4-BE49-F238E27FC236}">
-                  <a16:creationId xmlns:a16="http://schemas.microsoft.com/office/drawing/2014/main" id="{CD74E96C-F9ED-490B-A5F6-07011C403CE1}"/>
+                  <a16:creationId xmlns:a16="http://schemas.microsoft.com/office/drawing/2014/main" xmlns="" id="{CD74E96C-F9ED-490B-A5F6-07011C403CE1}"/>
                 </a:ext>
               </a:extLst>
             </p:cNvPr>
@@ -4461,7 +4608,7 @@
             <p:cNvPr id="13" name="순서도: 대체 처리 12">
               <a:extLst>
                 <a:ext uri="{FF2B5EF4-FFF2-40B4-BE49-F238E27FC236}">
-                  <a16:creationId xmlns:a16="http://schemas.microsoft.com/office/drawing/2014/main" id="{69342619-3B79-408C-AF59-3DD09BC702CE}"/>
+                  <a16:creationId xmlns:a16="http://schemas.microsoft.com/office/drawing/2014/main" xmlns="" id="{69342619-3B79-408C-AF59-3DD09BC702CE}"/>
                 </a:ext>
               </a:extLst>
             </p:cNvPr>
@@ -4547,7 +4694,7 @@
             <p:cNvPr id="15" name="연결선: 구부러짐 14">
               <a:extLst>
                 <a:ext uri="{FF2B5EF4-FFF2-40B4-BE49-F238E27FC236}">
-                  <a16:creationId xmlns:a16="http://schemas.microsoft.com/office/drawing/2014/main" id="{30DF917A-0A3F-4AC2-9407-F5163A4C375D}"/>
+                  <a16:creationId xmlns:a16="http://schemas.microsoft.com/office/drawing/2014/main" xmlns="" id="{30DF917A-0A3F-4AC2-9407-F5163A4C375D}"/>
                 </a:ext>
               </a:extLst>
             </p:cNvPr>
@@ -4597,7 +4744,7 @@
             <p:cNvPr id="18" name="TextBox 17">
               <a:extLst>
                 <a:ext uri="{FF2B5EF4-FFF2-40B4-BE49-F238E27FC236}">
-                  <a16:creationId xmlns:a16="http://schemas.microsoft.com/office/drawing/2014/main" id="{9C658B33-5349-4382-8E92-CFDD6DB6213F}"/>
+                  <a16:creationId xmlns:a16="http://schemas.microsoft.com/office/drawing/2014/main" xmlns="" id="{9C658B33-5349-4382-8E92-CFDD6DB6213F}"/>
                 </a:ext>
               </a:extLst>
             </p:cNvPr>
@@ -4700,7 +4847,7 @@
             <p:cNvPr id="19" name="순서도: 대체 처리 18">
               <a:extLst>
                 <a:ext uri="{FF2B5EF4-FFF2-40B4-BE49-F238E27FC236}">
-                  <a16:creationId xmlns:a16="http://schemas.microsoft.com/office/drawing/2014/main" id="{D8D4DBCA-DAA8-466E-B1A0-5A2F4B64FE06}"/>
+                  <a16:creationId xmlns:a16="http://schemas.microsoft.com/office/drawing/2014/main" xmlns="" id="{D8D4DBCA-DAA8-466E-B1A0-5A2F4B64FE06}"/>
                 </a:ext>
               </a:extLst>
             </p:cNvPr>
@@ -4792,7 +4939,7 @@
             <p:cNvPr id="21" name="순서도: 대체 처리 20">
               <a:extLst>
                 <a:ext uri="{FF2B5EF4-FFF2-40B4-BE49-F238E27FC236}">
-                  <a16:creationId xmlns:a16="http://schemas.microsoft.com/office/drawing/2014/main" id="{073F6CDF-4625-4484-B8D0-F537BE40E582}"/>
+                  <a16:creationId xmlns:a16="http://schemas.microsoft.com/office/drawing/2014/main" xmlns="" id="{073F6CDF-4625-4484-B8D0-F537BE40E582}"/>
                 </a:ext>
               </a:extLst>
             </p:cNvPr>
@@ -4884,7 +5031,7 @@
             <p:cNvPr id="23" name="순서도: 대체 처리 22">
               <a:extLst>
                 <a:ext uri="{FF2B5EF4-FFF2-40B4-BE49-F238E27FC236}">
-                  <a16:creationId xmlns:a16="http://schemas.microsoft.com/office/drawing/2014/main" id="{F624BC32-24A5-4D0E-A5F8-A63618E53EE1}"/>
+                  <a16:creationId xmlns:a16="http://schemas.microsoft.com/office/drawing/2014/main" xmlns="" id="{F624BC32-24A5-4D0E-A5F8-A63618E53EE1}"/>
                 </a:ext>
               </a:extLst>
             </p:cNvPr>
@@ -4949,7 +5096,7 @@
             <p:cNvPr id="24" name="순서도: 대체 처리 23">
               <a:extLst>
                 <a:ext uri="{FF2B5EF4-FFF2-40B4-BE49-F238E27FC236}">
-                  <a16:creationId xmlns:a16="http://schemas.microsoft.com/office/drawing/2014/main" id="{45EA7DDD-4D09-4AAA-87AF-E8B5953A437E}"/>
+                  <a16:creationId xmlns:a16="http://schemas.microsoft.com/office/drawing/2014/main" xmlns="" id="{45EA7DDD-4D09-4AAA-87AF-E8B5953A437E}"/>
                 </a:ext>
               </a:extLst>
             </p:cNvPr>
@@ -5041,7 +5188,7 @@
             <p:cNvPr id="25" name="순서도: 대체 처리 24">
               <a:extLst>
                 <a:ext uri="{FF2B5EF4-FFF2-40B4-BE49-F238E27FC236}">
-                  <a16:creationId xmlns:a16="http://schemas.microsoft.com/office/drawing/2014/main" id="{2C74A3AC-6ECE-4B78-B36E-34FF21DEB3C6}"/>
+                  <a16:creationId xmlns:a16="http://schemas.microsoft.com/office/drawing/2014/main" xmlns="" id="{2C74A3AC-6ECE-4B78-B36E-34FF21DEB3C6}"/>
                 </a:ext>
               </a:extLst>
             </p:cNvPr>
@@ -5121,7 +5268,7 @@
             <p:cNvPr id="26" name="순서도: 대체 처리 25">
               <a:extLst>
                 <a:ext uri="{FF2B5EF4-FFF2-40B4-BE49-F238E27FC236}">
-                  <a16:creationId xmlns:a16="http://schemas.microsoft.com/office/drawing/2014/main" id="{BF35B2D3-F85B-4C52-9D6B-878DCDD6E515}"/>
+                  <a16:creationId xmlns:a16="http://schemas.microsoft.com/office/drawing/2014/main" xmlns="" id="{BF35B2D3-F85B-4C52-9D6B-878DCDD6E515}"/>
                 </a:ext>
               </a:extLst>
             </p:cNvPr>
@@ -5201,7 +5348,7 @@
             <p:cNvPr id="27" name="순서도: 대체 처리 26">
               <a:extLst>
                 <a:ext uri="{FF2B5EF4-FFF2-40B4-BE49-F238E27FC236}">
-                  <a16:creationId xmlns:a16="http://schemas.microsoft.com/office/drawing/2014/main" id="{D99AFA3D-AD28-4744-A2F2-8BFD22D8A2CD}"/>
+                  <a16:creationId xmlns:a16="http://schemas.microsoft.com/office/drawing/2014/main" xmlns="" id="{D99AFA3D-AD28-4744-A2F2-8BFD22D8A2CD}"/>
                 </a:ext>
               </a:extLst>
             </p:cNvPr>
@@ -5278,7 +5425,7 @@
             <p:cNvPr id="31" name="직선 화살표 연결선 30">
               <a:extLst>
                 <a:ext uri="{FF2B5EF4-FFF2-40B4-BE49-F238E27FC236}">
-                  <a16:creationId xmlns:a16="http://schemas.microsoft.com/office/drawing/2014/main" id="{A53D600A-EBA6-4002-B551-8B5BA7484AB7}"/>
+                  <a16:creationId xmlns:a16="http://schemas.microsoft.com/office/drawing/2014/main" xmlns="" id="{A53D600A-EBA6-4002-B551-8B5BA7484AB7}"/>
                 </a:ext>
               </a:extLst>
             </p:cNvPr>
@@ -5321,7 +5468,7 @@
             <p:cNvPr id="33" name="직선 화살표 연결선 32">
               <a:extLst>
                 <a:ext uri="{FF2B5EF4-FFF2-40B4-BE49-F238E27FC236}">
-                  <a16:creationId xmlns:a16="http://schemas.microsoft.com/office/drawing/2014/main" id="{3591C06D-B0D2-4A4B-9BE5-33F89F234A60}"/>
+                  <a16:creationId xmlns:a16="http://schemas.microsoft.com/office/drawing/2014/main" xmlns="" id="{3591C06D-B0D2-4A4B-9BE5-33F89F234A60}"/>
                 </a:ext>
               </a:extLst>
             </p:cNvPr>
@@ -5364,7 +5511,7 @@
             <p:cNvPr id="37" name="직선 화살표 연결선 36">
               <a:extLst>
                 <a:ext uri="{FF2B5EF4-FFF2-40B4-BE49-F238E27FC236}">
-                  <a16:creationId xmlns:a16="http://schemas.microsoft.com/office/drawing/2014/main" id="{353871BF-AF57-4C4A-BB0A-7598917FEBA9}"/>
+                  <a16:creationId xmlns:a16="http://schemas.microsoft.com/office/drawing/2014/main" xmlns="" id="{353871BF-AF57-4C4A-BB0A-7598917FEBA9}"/>
                 </a:ext>
               </a:extLst>
             </p:cNvPr>
@@ -5407,7 +5554,7 @@
             <p:cNvPr id="40" name="직선 화살표 연결선 39">
               <a:extLst>
                 <a:ext uri="{FF2B5EF4-FFF2-40B4-BE49-F238E27FC236}">
-                  <a16:creationId xmlns:a16="http://schemas.microsoft.com/office/drawing/2014/main" id="{93945AFF-754A-4CD2-83B9-85FD02585753}"/>
+                  <a16:creationId xmlns:a16="http://schemas.microsoft.com/office/drawing/2014/main" xmlns="" id="{93945AFF-754A-4CD2-83B9-85FD02585753}"/>
                 </a:ext>
               </a:extLst>
             </p:cNvPr>
@@ -5450,7 +5597,7 @@
             <p:cNvPr id="43" name="직선 화살표 연결선 42">
               <a:extLst>
                 <a:ext uri="{FF2B5EF4-FFF2-40B4-BE49-F238E27FC236}">
-                  <a16:creationId xmlns:a16="http://schemas.microsoft.com/office/drawing/2014/main" id="{1D036DC0-4A36-46FE-96C6-7B4C0E64FCD2}"/>
+                  <a16:creationId xmlns:a16="http://schemas.microsoft.com/office/drawing/2014/main" xmlns="" id="{1D036DC0-4A36-46FE-96C6-7B4C0E64FCD2}"/>
                 </a:ext>
               </a:extLst>
             </p:cNvPr>
@@ -5493,7 +5640,7 @@
             <p:cNvPr id="46" name="직선 화살표 연결선 45">
               <a:extLst>
                 <a:ext uri="{FF2B5EF4-FFF2-40B4-BE49-F238E27FC236}">
-                  <a16:creationId xmlns:a16="http://schemas.microsoft.com/office/drawing/2014/main" id="{1C89657D-CBFF-4D2C-8946-CB39F4E3CAAB}"/>
+                  <a16:creationId xmlns:a16="http://schemas.microsoft.com/office/drawing/2014/main" xmlns="" id="{1C89657D-CBFF-4D2C-8946-CB39F4E3CAAB}"/>
                 </a:ext>
               </a:extLst>
             </p:cNvPr>
@@ -5536,7 +5683,7 @@
             <p:cNvPr id="49" name="직선 화살표 연결선 48">
               <a:extLst>
                 <a:ext uri="{FF2B5EF4-FFF2-40B4-BE49-F238E27FC236}">
-                  <a16:creationId xmlns:a16="http://schemas.microsoft.com/office/drawing/2014/main" id="{2F2B7CC3-D6B2-4FCD-B3DD-0A13F661F9C6}"/>
+                  <a16:creationId xmlns:a16="http://schemas.microsoft.com/office/drawing/2014/main" xmlns="" id="{2F2B7CC3-D6B2-4FCD-B3DD-0A13F661F9C6}"/>
                 </a:ext>
               </a:extLst>
             </p:cNvPr>
@@ -5579,7 +5726,7 @@
             <p:cNvPr id="52" name="직선 화살표 연결선 51">
               <a:extLst>
                 <a:ext uri="{FF2B5EF4-FFF2-40B4-BE49-F238E27FC236}">
-                  <a16:creationId xmlns:a16="http://schemas.microsoft.com/office/drawing/2014/main" id="{E717BF73-E9EA-41F5-B2E8-4C7B6F8B3A77}"/>
+                  <a16:creationId xmlns:a16="http://schemas.microsoft.com/office/drawing/2014/main" xmlns="" id="{E717BF73-E9EA-41F5-B2E8-4C7B6F8B3A77}"/>
                 </a:ext>
               </a:extLst>
             </p:cNvPr>
@@ -5622,7 +5769,7 @@
             <p:cNvPr id="55" name="직선 화살표 연결선 54">
               <a:extLst>
                 <a:ext uri="{FF2B5EF4-FFF2-40B4-BE49-F238E27FC236}">
-                  <a16:creationId xmlns:a16="http://schemas.microsoft.com/office/drawing/2014/main" id="{B29F5607-2B41-4CEE-B618-E7812E8BDA36}"/>
+                  <a16:creationId xmlns:a16="http://schemas.microsoft.com/office/drawing/2014/main" xmlns="" id="{B29F5607-2B41-4CEE-B618-E7812E8BDA36}"/>
                 </a:ext>
               </a:extLst>
             </p:cNvPr>
@@ -5665,7 +5812,7 @@
             <p:cNvPr id="59" name="직선 화살표 연결선 58">
               <a:extLst>
                 <a:ext uri="{FF2B5EF4-FFF2-40B4-BE49-F238E27FC236}">
-                  <a16:creationId xmlns:a16="http://schemas.microsoft.com/office/drawing/2014/main" id="{D1D221FB-90EB-44DC-8F45-FF30F0205A43}"/>
+                  <a16:creationId xmlns:a16="http://schemas.microsoft.com/office/drawing/2014/main" xmlns="" id="{D1D221FB-90EB-44DC-8F45-FF30F0205A43}"/>
                 </a:ext>
               </a:extLst>
             </p:cNvPr>
@@ -5708,7 +5855,7 @@
             <p:cNvPr id="62" name="직선 화살표 연결선 61">
               <a:extLst>
                 <a:ext uri="{FF2B5EF4-FFF2-40B4-BE49-F238E27FC236}">
-                  <a16:creationId xmlns:a16="http://schemas.microsoft.com/office/drawing/2014/main" id="{3A31BE93-048B-4A0D-A474-FFD8A15C9323}"/>
+                  <a16:creationId xmlns:a16="http://schemas.microsoft.com/office/drawing/2014/main" xmlns="" id="{3A31BE93-048B-4A0D-A474-FFD8A15C9323}"/>
                 </a:ext>
               </a:extLst>
             </p:cNvPr>
@@ -5751,7 +5898,7 @@
             <p:cNvPr id="66" name="TextBox 65">
               <a:extLst>
                 <a:ext uri="{FF2B5EF4-FFF2-40B4-BE49-F238E27FC236}">
-                  <a16:creationId xmlns:a16="http://schemas.microsoft.com/office/drawing/2014/main" id="{B8954EAE-04BF-42ED-8BB9-A6A34375F901}"/>
+                  <a16:creationId xmlns:a16="http://schemas.microsoft.com/office/drawing/2014/main" xmlns="" id="{B8954EAE-04BF-42ED-8BB9-A6A34375F901}"/>
                 </a:ext>
               </a:extLst>
             </p:cNvPr>
@@ -5808,7 +5955,7 @@
             <p:cNvPr id="70" name="연결선: 구부러짐 69">
               <a:extLst>
                 <a:ext uri="{FF2B5EF4-FFF2-40B4-BE49-F238E27FC236}">
-                  <a16:creationId xmlns:a16="http://schemas.microsoft.com/office/drawing/2014/main" id="{E6D51D07-B7A3-4E1C-9A0A-BA6462A5A1E5}"/>
+                  <a16:creationId xmlns:a16="http://schemas.microsoft.com/office/drawing/2014/main" xmlns="" id="{E6D51D07-B7A3-4E1C-9A0A-BA6462A5A1E5}"/>
                 </a:ext>
               </a:extLst>
             </p:cNvPr>
@@ -5853,7 +6000,7 @@
             <p:cNvPr id="75" name="직선 연결선 74">
               <a:extLst>
                 <a:ext uri="{FF2B5EF4-FFF2-40B4-BE49-F238E27FC236}">
-                  <a16:creationId xmlns:a16="http://schemas.microsoft.com/office/drawing/2014/main" id="{12113737-FC68-463D-A9B5-4F3DBC4D9A20}"/>
+                  <a16:creationId xmlns:a16="http://schemas.microsoft.com/office/drawing/2014/main" xmlns="" id="{12113737-FC68-463D-A9B5-4F3DBC4D9A20}"/>
                 </a:ext>
               </a:extLst>
             </p:cNvPr>
@@ -5894,7 +6041,7 @@
             <p:cNvPr id="77" name="직선 연결선 76">
               <a:extLst>
                 <a:ext uri="{FF2B5EF4-FFF2-40B4-BE49-F238E27FC236}">
-                  <a16:creationId xmlns:a16="http://schemas.microsoft.com/office/drawing/2014/main" id="{AC4C2DD0-738A-4CE5-B172-A44469F4768D}"/>
+                  <a16:creationId xmlns:a16="http://schemas.microsoft.com/office/drawing/2014/main" xmlns="" id="{AC4C2DD0-738A-4CE5-B172-A44469F4768D}"/>
                 </a:ext>
               </a:extLst>
             </p:cNvPr>
@@ -5935,7 +6082,7 @@
             <p:cNvPr id="80" name="직선 연결선 79">
               <a:extLst>
                 <a:ext uri="{FF2B5EF4-FFF2-40B4-BE49-F238E27FC236}">
-                  <a16:creationId xmlns:a16="http://schemas.microsoft.com/office/drawing/2014/main" id="{D8947C14-3D3B-4A71-8D9B-418829C799B1}"/>
+                  <a16:creationId xmlns:a16="http://schemas.microsoft.com/office/drawing/2014/main" xmlns="" id="{D8947C14-3D3B-4A71-8D9B-418829C799B1}"/>
                 </a:ext>
               </a:extLst>
             </p:cNvPr>
@@ -5976,7 +6123,7 @@
             <p:cNvPr id="83" name="직선 연결선 82">
               <a:extLst>
                 <a:ext uri="{FF2B5EF4-FFF2-40B4-BE49-F238E27FC236}">
-                  <a16:creationId xmlns:a16="http://schemas.microsoft.com/office/drawing/2014/main" id="{7A2CDFC7-515D-4774-AE70-5FF80FB340E2}"/>
+                  <a16:creationId xmlns:a16="http://schemas.microsoft.com/office/drawing/2014/main" xmlns="" id="{7A2CDFC7-515D-4774-AE70-5FF80FB340E2}"/>
                 </a:ext>
               </a:extLst>
             </p:cNvPr>
@@ -6017,7 +6164,7 @@
             <p:cNvPr id="86" name="직선 연결선 85">
               <a:extLst>
                 <a:ext uri="{FF2B5EF4-FFF2-40B4-BE49-F238E27FC236}">
-                  <a16:creationId xmlns:a16="http://schemas.microsoft.com/office/drawing/2014/main" id="{85D93254-E7C9-4A7A-BE2E-66FD5DA43AEF}"/>
+                  <a16:creationId xmlns:a16="http://schemas.microsoft.com/office/drawing/2014/main" xmlns="" id="{85D93254-E7C9-4A7A-BE2E-66FD5DA43AEF}"/>
                 </a:ext>
               </a:extLst>
             </p:cNvPr>
@@ -6089,7 +6236,7 @@
           <p:cNvPr id="2" name="제목 1">
             <a:extLst>
               <a:ext uri="{FF2B5EF4-FFF2-40B4-BE49-F238E27FC236}">
-                <a16:creationId xmlns:a16="http://schemas.microsoft.com/office/drawing/2014/main" id="{EE988003-2CBE-451C-992D-939DFC1C63A6}"/>
+                <a16:creationId xmlns:a16="http://schemas.microsoft.com/office/drawing/2014/main" xmlns="" id="{EE988003-2CBE-451C-992D-939DFC1C63A6}"/>
               </a:ext>
             </a:extLst>
           </p:cNvPr>
@@ -6126,7 +6273,7 @@
           <p:cNvPr id="4" name="사각형: 둥근 모서리 3">
             <a:extLst>
               <a:ext uri="{FF2B5EF4-FFF2-40B4-BE49-F238E27FC236}">
-                <a16:creationId xmlns:a16="http://schemas.microsoft.com/office/drawing/2014/main" id="{8DBEE668-AA90-4DC5-B4B1-A9576650249C}"/>
+                <a16:creationId xmlns:a16="http://schemas.microsoft.com/office/drawing/2014/main" xmlns="" id="{8DBEE668-AA90-4DC5-B4B1-A9576650249C}"/>
               </a:ext>
             </a:extLst>
           </p:cNvPr>
@@ -6185,7 +6332,7 @@
           <p:cNvPr id="5" name="화살표: 오각형 4">
             <a:extLst>
               <a:ext uri="{FF2B5EF4-FFF2-40B4-BE49-F238E27FC236}">
-                <a16:creationId xmlns:a16="http://schemas.microsoft.com/office/drawing/2014/main" id="{06C70984-2FBF-4F8F-9BBD-64BA8A0F6F9D}"/>
+                <a16:creationId xmlns:a16="http://schemas.microsoft.com/office/drawing/2014/main" xmlns="" id="{06C70984-2FBF-4F8F-9BBD-64BA8A0F6F9D}"/>
               </a:ext>
             </a:extLst>
           </p:cNvPr>
@@ -6252,7 +6399,7 @@
           <p:cNvPr id="6" name="TextBox 5">
             <a:extLst>
               <a:ext uri="{FF2B5EF4-FFF2-40B4-BE49-F238E27FC236}">
-                <a16:creationId xmlns:a16="http://schemas.microsoft.com/office/drawing/2014/main" id="{1505445F-57E9-468A-B65A-A48D27CB76F5}"/>
+                <a16:creationId xmlns:a16="http://schemas.microsoft.com/office/drawing/2014/main" xmlns="" id="{1505445F-57E9-468A-B65A-A48D27CB76F5}"/>
               </a:ext>
             </a:extLst>
           </p:cNvPr>
@@ -6287,7 +6434,7 @@
           <p:cNvPr id="7" name="사각형: 둥근 모서리 6">
             <a:extLst>
               <a:ext uri="{FF2B5EF4-FFF2-40B4-BE49-F238E27FC236}">
-                <a16:creationId xmlns:a16="http://schemas.microsoft.com/office/drawing/2014/main" id="{9BB0DE11-1EB7-44BC-84A6-814B59F07678}"/>
+                <a16:creationId xmlns:a16="http://schemas.microsoft.com/office/drawing/2014/main" xmlns="" id="{9BB0DE11-1EB7-44BC-84A6-814B59F07678}"/>
               </a:ext>
             </a:extLst>
           </p:cNvPr>
@@ -6346,7 +6493,7 @@
           <p:cNvPr id="8" name="화살표: 오각형 7">
             <a:extLst>
               <a:ext uri="{FF2B5EF4-FFF2-40B4-BE49-F238E27FC236}">
-                <a16:creationId xmlns:a16="http://schemas.microsoft.com/office/drawing/2014/main" id="{D81CBBE7-B971-4B04-A4D7-143C2CA59C32}"/>
+                <a16:creationId xmlns:a16="http://schemas.microsoft.com/office/drawing/2014/main" xmlns="" id="{D81CBBE7-B971-4B04-A4D7-143C2CA59C32}"/>
               </a:ext>
             </a:extLst>
           </p:cNvPr>
@@ -6413,7 +6560,7 @@
           <p:cNvPr id="9" name="TextBox 8">
             <a:extLst>
               <a:ext uri="{FF2B5EF4-FFF2-40B4-BE49-F238E27FC236}">
-                <a16:creationId xmlns:a16="http://schemas.microsoft.com/office/drawing/2014/main" id="{8DE4A77F-C7F9-4D14-B95C-E1CB49F2BA04}"/>
+                <a16:creationId xmlns:a16="http://schemas.microsoft.com/office/drawing/2014/main" xmlns="" id="{8DE4A77F-C7F9-4D14-B95C-E1CB49F2BA04}"/>
               </a:ext>
             </a:extLst>
           </p:cNvPr>
@@ -6456,7 +6603,7 @@
           <p:cNvPr id="10" name="사각형: 둥근 모서리 9">
             <a:extLst>
               <a:ext uri="{FF2B5EF4-FFF2-40B4-BE49-F238E27FC236}">
-                <a16:creationId xmlns:a16="http://schemas.microsoft.com/office/drawing/2014/main" id="{6C4D1C50-7DEC-45C7-93CF-DB02C2EEBC43}"/>
+                <a16:creationId xmlns:a16="http://schemas.microsoft.com/office/drawing/2014/main" xmlns="" id="{6C4D1C50-7DEC-45C7-93CF-DB02C2EEBC43}"/>
               </a:ext>
             </a:extLst>
           </p:cNvPr>
@@ -6515,7 +6662,7 @@
           <p:cNvPr id="11" name="화살표: 오각형 10">
             <a:extLst>
               <a:ext uri="{FF2B5EF4-FFF2-40B4-BE49-F238E27FC236}">
-                <a16:creationId xmlns:a16="http://schemas.microsoft.com/office/drawing/2014/main" id="{20F3DB4C-0C39-42F1-A803-B249C82CD49F}"/>
+                <a16:creationId xmlns:a16="http://schemas.microsoft.com/office/drawing/2014/main" xmlns="" id="{20F3DB4C-0C39-42F1-A803-B249C82CD49F}"/>
               </a:ext>
             </a:extLst>
           </p:cNvPr>
@@ -6583,7 +6730,7 @@
           <p:cNvPr id="12" name="TextBox 11">
             <a:extLst>
               <a:ext uri="{FF2B5EF4-FFF2-40B4-BE49-F238E27FC236}">
-                <a16:creationId xmlns:a16="http://schemas.microsoft.com/office/drawing/2014/main" id="{F26B2CA2-BCD2-4676-89DC-F72D5BD63A40}"/>
+                <a16:creationId xmlns:a16="http://schemas.microsoft.com/office/drawing/2014/main" xmlns="" id="{F26B2CA2-BCD2-4676-89DC-F72D5BD63A40}"/>
               </a:ext>
             </a:extLst>
           </p:cNvPr>
@@ -6618,7 +6765,7 @@
           <p:cNvPr id="15" name="사각형: 둥근 모서리 14">
             <a:extLst>
               <a:ext uri="{FF2B5EF4-FFF2-40B4-BE49-F238E27FC236}">
-                <a16:creationId xmlns:a16="http://schemas.microsoft.com/office/drawing/2014/main" id="{CAEEC102-70A7-4B66-8130-FCC3DDEE20CD}"/>
+                <a16:creationId xmlns:a16="http://schemas.microsoft.com/office/drawing/2014/main" xmlns="" id="{CAEEC102-70A7-4B66-8130-FCC3DDEE20CD}"/>
               </a:ext>
             </a:extLst>
           </p:cNvPr>
@@ -6677,7 +6824,7 @@
           <p:cNvPr id="16" name="화살표: 오각형 15">
             <a:extLst>
               <a:ext uri="{FF2B5EF4-FFF2-40B4-BE49-F238E27FC236}">
-                <a16:creationId xmlns:a16="http://schemas.microsoft.com/office/drawing/2014/main" id="{7F7B7064-F9D3-46E3-93A7-DCB9D120EA54}"/>
+                <a16:creationId xmlns:a16="http://schemas.microsoft.com/office/drawing/2014/main" xmlns="" id="{7F7B7064-F9D3-46E3-93A7-DCB9D120EA54}"/>
               </a:ext>
             </a:extLst>
           </p:cNvPr>
@@ -6744,7 +6891,7 @@
           <p:cNvPr id="17" name="TextBox 16">
             <a:extLst>
               <a:ext uri="{FF2B5EF4-FFF2-40B4-BE49-F238E27FC236}">
-                <a16:creationId xmlns:a16="http://schemas.microsoft.com/office/drawing/2014/main" id="{72942827-2757-495C-9F1C-4FD495D0E965}"/>
+                <a16:creationId xmlns:a16="http://schemas.microsoft.com/office/drawing/2014/main" xmlns="" id="{72942827-2757-495C-9F1C-4FD495D0E965}"/>
               </a:ext>
             </a:extLst>
           </p:cNvPr>
@@ -6779,7 +6926,7 @@
           <p:cNvPr id="18" name="사각형: 둥근 모서리 17">
             <a:extLst>
               <a:ext uri="{FF2B5EF4-FFF2-40B4-BE49-F238E27FC236}">
-                <a16:creationId xmlns:a16="http://schemas.microsoft.com/office/drawing/2014/main" id="{8CAA659E-C069-418D-8BD4-981E37575787}"/>
+                <a16:creationId xmlns:a16="http://schemas.microsoft.com/office/drawing/2014/main" xmlns="" id="{8CAA659E-C069-418D-8BD4-981E37575787}"/>
               </a:ext>
             </a:extLst>
           </p:cNvPr>
@@ -6838,7 +6985,7 @@
           <p:cNvPr id="19" name="화살표: 오각형 18">
             <a:extLst>
               <a:ext uri="{FF2B5EF4-FFF2-40B4-BE49-F238E27FC236}">
-                <a16:creationId xmlns:a16="http://schemas.microsoft.com/office/drawing/2014/main" id="{EAD6CA5E-869B-41B9-BC5D-D009BFE0AC34}"/>
+                <a16:creationId xmlns:a16="http://schemas.microsoft.com/office/drawing/2014/main" xmlns="" id="{EAD6CA5E-869B-41B9-BC5D-D009BFE0AC34}"/>
               </a:ext>
             </a:extLst>
           </p:cNvPr>
@@ -6904,7 +7051,7 @@
           <p:cNvPr id="20" name="TextBox 19">
             <a:extLst>
               <a:ext uri="{FF2B5EF4-FFF2-40B4-BE49-F238E27FC236}">
-                <a16:creationId xmlns:a16="http://schemas.microsoft.com/office/drawing/2014/main" id="{C582A326-CD22-4C40-B556-85608F188332}"/>
+                <a16:creationId xmlns:a16="http://schemas.microsoft.com/office/drawing/2014/main" xmlns="" id="{C582A326-CD22-4C40-B556-85608F188332}"/>
               </a:ext>
             </a:extLst>
           </p:cNvPr>
@@ -6969,7 +7116,7 @@
           <p:cNvPr id="2" name="제목 1">
             <a:extLst>
               <a:ext uri="{FF2B5EF4-FFF2-40B4-BE49-F238E27FC236}">
-                <a16:creationId xmlns:a16="http://schemas.microsoft.com/office/drawing/2014/main" id="{EE988003-2CBE-451C-992D-939DFC1C63A6}"/>
+                <a16:creationId xmlns:a16="http://schemas.microsoft.com/office/drawing/2014/main" xmlns="" id="{EE988003-2CBE-451C-992D-939DFC1C63A6}"/>
               </a:ext>
             </a:extLst>
           </p:cNvPr>
@@ -7006,7 +7153,7 @@
           <p:cNvPr id="3" name="내용 개체 틀 2">
             <a:extLst>
               <a:ext uri="{FF2B5EF4-FFF2-40B4-BE49-F238E27FC236}">
-                <a16:creationId xmlns:a16="http://schemas.microsoft.com/office/drawing/2014/main" id="{43140D36-B20C-44D0-90CE-6785341CAA00}"/>
+                <a16:creationId xmlns:a16="http://schemas.microsoft.com/office/drawing/2014/main" xmlns="" id="{43140D36-B20C-44D0-90CE-6785341CAA00}"/>
               </a:ext>
             </a:extLst>
           </p:cNvPr>
@@ -7444,7 +7591,7 @@
     </a:clrScheme>
     <a:fontScheme name="Office">
       <a:majorFont>
-        <a:latin typeface="맑은 고딕" panose="020F0302020204030204"/>
+        <a:latin typeface="맑은 고딕"/>
         <a:ea typeface=""/>
         <a:cs typeface=""/>
         <a:font script="Jpan" typeface="游ゴシック Light"/>
@@ -7496,7 +7643,7 @@
         <a:font script="Tfng" typeface="Ebrima"/>
       </a:majorFont>
       <a:minorFont>
-        <a:latin typeface="맑은 고딕" panose="020F0502020204030204"/>
+        <a:latin typeface="맑은 고딕"/>
         <a:ea typeface=""/>
         <a:cs typeface=""/>
         <a:font script="Jpan" typeface="游ゴシック"/>
@@ -7690,7 +7837,7 @@
   <a:extraClrSchemeLst/>
   <a:extLst>
     <a:ext uri="{05A4C25C-085E-4340-85A3-A5531E510DB2}">
-      <thm15:themeFamily xmlns:thm15="http://schemas.microsoft.com/office/thememl/2012/main" name="Office Theme" id="{62F939B6-93AF-4DB8-9C6B-D6C7DFDC589F}" vid="{4A3C46E8-61CC-4603-A589-7422A47A8E4A}"/>
+      <thm15:themeFamily xmlns:thm15="http://schemas.microsoft.com/office/thememl/2012/main" xmlns="" name="Office Theme" id="{62F939B6-93AF-4DB8-9C6B-D6C7DFDC589F}" vid="{4A3C46E8-61CC-4603-A589-7422A47A8E4A}"/>
     </a:ext>
   </a:extLst>
 </a:theme>
